--- a/Course/CSAPP/LAB2/lab2PPT.pptx
+++ b/Course/CSAPP/LAB2/lab2PPT.pptx
@@ -160,6 +160,35 @@
 </p:cmAuthorLst>
 </file>
 
+<file path=ppt/changesInfos/changesInfo1.xml><?xml version="1.0" encoding="utf-8"?>
+<pc:chgInfo xmlns:a="http://schemas.openxmlformats.org/drawingml/2006/main" xmlns:r="http://schemas.openxmlformats.org/officeDocument/2006/relationships" xmlns:ac="http://schemas.microsoft.com/office/drawing/2013/main/command" xmlns:pc="http://schemas.microsoft.com/office/powerpoint/2013/main/command">
+  <pc:docChgLst>
+    <pc:chgData name="Chen Bill" userId="6f4cfa7ede799baa" providerId="LiveId" clId="{952FA58A-CDAD-D740-AE15-4AE1F18F703F}"/>
+    <pc:docChg chg="undo custSel modSld">
+      <pc:chgData name="Chen Bill" userId="6f4cfa7ede799baa" providerId="LiveId" clId="{952FA58A-CDAD-D740-AE15-4AE1F18F703F}" dt="2019-04-29T02:25:36.683" v="5" actId="1115"/>
+      <pc:docMkLst>
+        <pc:docMk/>
+      </pc:docMkLst>
+      <pc:sldChg chg="addSp delSp modSp">
+        <pc:chgData name="Chen Bill" userId="6f4cfa7ede799baa" providerId="LiveId" clId="{952FA58A-CDAD-D740-AE15-4AE1F18F703F}" dt="2019-04-29T02:25:36.683" v="5" actId="1115"/>
+        <pc:sldMkLst>
+          <pc:docMk/>
+          <pc:sldMk cId="2986513027" sldId="307"/>
+        </pc:sldMkLst>
+        <pc:spChg chg="add del mod">
+          <ac:chgData name="Chen Bill" userId="6f4cfa7ede799baa" providerId="LiveId" clId="{952FA58A-CDAD-D740-AE15-4AE1F18F703F}" dt="2019-04-29T02:25:36.683" v="5" actId="1115"/>
+          <ac:spMkLst>
+            <pc:docMk/>
+            <pc:sldMk cId="2986513027" sldId="307"/>
+            <ac:spMk id="4" creationId="{9CE91D38-9E55-DA4E-A253-3FDD30080FB2}"/>
+          </ac:spMkLst>
+        </pc:spChg>
+      </pc:sldChg>
+    </pc:docChg>
+  </pc:docChgLst>
+</pc:chgInfo>
+</file>
+
 <file path=ppt/notesMasters/notesMaster1.xml><?xml version="1.0" encoding="utf-8"?>
 <p:notesMaster xmlns:a="http://schemas.openxmlformats.org/drawingml/2006/main" xmlns:r="http://schemas.openxmlformats.org/officeDocument/2006/relationships" xmlns:p="http://schemas.openxmlformats.org/presentationml/2006/main">
   <p:cSld>
@@ -242,7 +271,7 @@
           <a:p>
             <a:fld id="{C3D43BFA-8D0C-4EAF-8D6E-4A60647997EE}" type="datetimeFigureOut">
               <a:rPr lang="zh-CN" altLang="en-US" smtClean="0"/>
-              <a:t>2016/3/31</a:t>
+              <a:t>2019/4/29</a:t>
             </a:fld>
             <a:endParaRPr lang="zh-CN" altLang="en-US"/>
           </a:p>
@@ -306,38 +335,37 @@
           <a:p>
             <a:pPr lvl="0"/>
             <a:r>
-              <a:rPr lang="zh-CN" altLang="en-US" smtClean="0"/>
+              <a:rPr lang="zh-CN" altLang="en-US"/>
               <a:t>单击此处编辑母版文本样式</a:t>
             </a:r>
           </a:p>
           <a:p>
             <a:pPr lvl="1"/>
             <a:r>
-              <a:rPr lang="zh-CN" altLang="en-US" smtClean="0"/>
+              <a:rPr lang="zh-CN" altLang="en-US"/>
               <a:t>第二级</a:t>
             </a:r>
           </a:p>
           <a:p>
             <a:pPr lvl="2"/>
             <a:r>
-              <a:rPr lang="zh-CN" altLang="en-US" smtClean="0"/>
+              <a:rPr lang="zh-CN" altLang="en-US"/>
               <a:t>第三级</a:t>
             </a:r>
           </a:p>
           <a:p>
             <a:pPr lvl="3"/>
             <a:r>
-              <a:rPr lang="zh-CN" altLang="en-US" smtClean="0"/>
+              <a:rPr lang="zh-CN" altLang="en-US"/>
               <a:t>第四级</a:t>
             </a:r>
           </a:p>
           <a:p>
             <a:pPr lvl="4"/>
             <a:r>
-              <a:rPr lang="zh-CN" altLang="en-US" smtClean="0"/>
+              <a:rPr lang="zh-CN" altLang="en-US"/>
               <a:t>第五级</a:t>
             </a:r>
-            <a:endParaRPr lang="zh-CN" altLang="en-US"/>
           </a:p>
         </p:txBody>
       </p:sp>
@@ -555,45 +583,45 @@
           <a:lstStyle/>
           <a:p>
             <a:r>
-              <a:rPr lang="en-IN" dirty="0" smtClean="0"/>
+              <a:rPr lang="en-IN" dirty="0"/>
               <a:t>Use * when mentioning address in break</a:t>
             </a:r>
           </a:p>
           <a:p>
             <a:r>
-              <a:rPr lang="en-IN" dirty="0" smtClean="0"/>
+              <a:rPr lang="en-IN" dirty="0"/>
               <a:t>Delete – delete all breakpoints</a:t>
             </a:r>
           </a:p>
           <a:p>
             <a:r>
-              <a:rPr lang="en-IN" dirty="0" smtClean="0"/>
+              <a:rPr lang="en-IN" dirty="0"/>
               <a:t>Delete 1 – delete breakpoint 1</a:t>
             </a:r>
           </a:p>
           <a:p>
             <a:r>
-              <a:rPr lang="en-IN" dirty="0" err="1" smtClean="0"/>
+              <a:rPr lang="en-IN" dirty="0" err="1"/>
               <a:t>Disas</a:t>
             </a:r>
             <a:r>
-              <a:rPr lang="en-IN" dirty="0" smtClean="0"/>
+              <a:rPr lang="en-IN" dirty="0"/>
               <a:t> address (no * required).</a:t>
             </a:r>
           </a:p>
           <a:p>
             <a:r>
-              <a:rPr lang="en-IN" dirty="0" err="1" smtClean="0"/>
+              <a:rPr lang="en-IN" dirty="0" err="1"/>
               <a:t>Stepi</a:t>
             </a:r>
             <a:r>
-              <a:rPr lang="en-IN" baseline="0" dirty="0" smtClean="0"/>
+              <a:rPr lang="en-IN" baseline="0" dirty="0"/>
               <a:t> 4 – Execute 4 instructions at a time.</a:t>
             </a:r>
           </a:p>
           <a:p>
             <a:r>
-              <a:rPr lang="en-IN" baseline="0" dirty="0" smtClean="0"/>
+              <a:rPr lang="en-IN" baseline="0" dirty="0"/>
               <a:t>Step – Execute 1 C line at a time.</a:t>
             </a:r>
             <a:endParaRPr lang="en-IN" dirty="0"/>
@@ -681,11 +709,11 @@
           <a:lstStyle/>
           <a:p>
             <a:r>
-              <a:rPr lang="en-IN" dirty="0" smtClean="0"/>
+              <a:rPr lang="en-IN" dirty="0"/>
               <a:t>Little endian – least</a:t>
             </a:r>
             <a:r>
-              <a:rPr lang="en-IN" baseline="0" dirty="0" smtClean="0"/>
+              <a:rPr lang="en-IN" baseline="0" dirty="0"/>
               <a:t> sig bits in least address</a:t>
             </a:r>
           </a:p>
@@ -769,10 +797,9 @@
           </a:lstStyle>
           <a:p>
             <a:r>
-              <a:rPr lang="en-US" smtClean="0"/>
+              <a:rPr lang="en-US"/>
               <a:t>Click to edit Master title style</a:t>
             </a:r>
-            <a:endParaRPr lang="en-US"/>
           </a:p>
         </p:txBody>
       </p:sp>
@@ -834,10 +861,9 @@
           </a:lstStyle>
           <a:p>
             <a:r>
-              <a:rPr lang="en-US" smtClean="0"/>
+              <a:rPr lang="en-US"/>
               <a:t>Click to edit Master subtitle style</a:t>
             </a:r>
-            <a:endParaRPr lang="en-US"/>
           </a:p>
         </p:txBody>
       </p:sp>
@@ -858,7 +884,7 @@
           <a:p>
             <a:fld id="{E6AFBAED-4906-4B99-A878-9B8D2741E568}" type="datetimeFigureOut">
               <a:rPr lang="en-US" smtClean="0"/>
-              <a:t>3/31/2016</a:t>
+              <a:t>4/29/19</a:t>
             </a:fld>
             <a:endParaRPr lang="en-US"/>
           </a:p>
@@ -952,10 +978,9 @@
           <a:lstStyle/>
           <a:p>
             <a:r>
-              <a:rPr lang="en-US" smtClean="0"/>
+              <a:rPr lang="en-US"/>
               <a:t>Click to edit Master title style</a:t>
             </a:r>
-            <a:endParaRPr lang="en-US"/>
           </a:p>
         </p:txBody>
       </p:sp>
@@ -976,38 +1001,37 @@
           <a:p>
             <a:pPr lvl="0"/>
             <a:r>
-              <a:rPr lang="en-US" smtClean="0"/>
+              <a:rPr lang="en-US"/>
               <a:t>Click to edit Master text styles</a:t>
             </a:r>
           </a:p>
           <a:p>
             <a:pPr lvl="1"/>
             <a:r>
-              <a:rPr lang="en-US" smtClean="0"/>
+              <a:rPr lang="en-US"/>
               <a:t>Second level</a:t>
             </a:r>
           </a:p>
           <a:p>
             <a:pPr lvl="2"/>
             <a:r>
-              <a:rPr lang="en-US" smtClean="0"/>
+              <a:rPr lang="en-US"/>
               <a:t>Third level</a:t>
             </a:r>
           </a:p>
           <a:p>
             <a:pPr lvl="3"/>
             <a:r>
-              <a:rPr lang="en-US" smtClean="0"/>
+              <a:rPr lang="en-US"/>
               <a:t>Fourth level</a:t>
             </a:r>
           </a:p>
           <a:p>
             <a:pPr lvl="4"/>
             <a:r>
-              <a:rPr lang="en-US" smtClean="0"/>
+              <a:rPr lang="en-US"/>
               <a:t>Fifth level</a:t>
             </a:r>
-            <a:endParaRPr lang="en-US"/>
           </a:p>
         </p:txBody>
       </p:sp>
@@ -1028,7 +1052,7 @@
           <a:p>
             <a:fld id="{E6AFBAED-4906-4B99-A878-9B8D2741E568}" type="datetimeFigureOut">
               <a:rPr lang="en-US" smtClean="0"/>
-              <a:t>3/31/2016</a:t>
+              <a:t>4/29/19</a:t>
             </a:fld>
             <a:endParaRPr lang="en-US"/>
           </a:p>
@@ -1127,10 +1151,9 @@
           <a:lstStyle/>
           <a:p>
             <a:r>
-              <a:rPr lang="en-US" smtClean="0"/>
+              <a:rPr lang="en-US"/>
               <a:t>Click to edit Master title style</a:t>
             </a:r>
-            <a:endParaRPr lang="en-US"/>
           </a:p>
         </p:txBody>
       </p:sp>
@@ -1156,38 +1179,37 @@
           <a:p>
             <a:pPr lvl="0"/>
             <a:r>
-              <a:rPr lang="en-US" smtClean="0"/>
+              <a:rPr lang="en-US"/>
               <a:t>Click to edit Master text styles</a:t>
             </a:r>
           </a:p>
           <a:p>
             <a:pPr lvl="1"/>
             <a:r>
-              <a:rPr lang="en-US" smtClean="0"/>
+              <a:rPr lang="en-US"/>
               <a:t>Second level</a:t>
             </a:r>
           </a:p>
           <a:p>
             <a:pPr lvl="2"/>
             <a:r>
-              <a:rPr lang="en-US" smtClean="0"/>
+              <a:rPr lang="en-US"/>
               <a:t>Third level</a:t>
             </a:r>
           </a:p>
           <a:p>
             <a:pPr lvl="3"/>
             <a:r>
-              <a:rPr lang="en-US" smtClean="0"/>
+              <a:rPr lang="en-US"/>
               <a:t>Fourth level</a:t>
             </a:r>
           </a:p>
           <a:p>
             <a:pPr lvl="4"/>
             <a:r>
-              <a:rPr lang="en-US" smtClean="0"/>
+              <a:rPr lang="en-US"/>
               <a:t>Fifth level</a:t>
             </a:r>
-            <a:endParaRPr lang="en-US"/>
           </a:p>
         </p:txBody>
       </p:sp>
@@ -1208,7 +1230,7 @@
           <a:p>
             <a:fld id="{E6AFBAED-4906-4B99-A878-9B8D2741E568}" type="datetimeFigureOut">
               <a:rPr lang="en-US" smtClean="0"/>
-              <a:t>3/31/2016</a:t>
+              <a:t>4/29/19</a:t>
             </a:fld>
             <a:endParaRPr lang="en-US"/>
           </a:p>
@@ -1302,10 +1324,9 @@
           <a:lstStyle/>
           <a:p>
             <a:r>
-              <a:rPr lang="en-US" smtClean="0"/>
+              <a:rPr lang="en-US"/>
               <a:t>Click to edit Master title style</a:t>
             </a:r>
-            <a:endParaRPr lang="en-US"/>
           </a:p>
         </p:txBody>
       </p:sp>
@@ -1326,38 +1347,37 @@
           <a:p>
             <a:pPr lvl="0"/>
             <a:r>
-              <a:rPr lang="en-US" smtClean="0"/>
+              <a:rPr lang="en-US"/>
               <a:t>Click to edit Master text styles</a:t>
             </a:r>
           </a:p>
           <a:p>
             <a:pPr lvl="1"/>
             <a:r>
-              <a:rPr lang="en-US" smtClean="0"/>
+              <a:rPr lang="en-US"/>
               <a:t>Second level</a:t>
             </a:r>
           </a:p>
           <a:p>
             <a:pPr lvl="2"/>
             <a:r>
-              <a:rPr lang="en-US" smtClean="0"/>
+              <a:rPr lang="en-US"/>
               <a:t>Third level</a:t>
             </a:r>
           </a:p>
           <a:p>
             <a:pPr lvl="3"/>
             <a:r>
-              <a:rPr lang="en-US" smtClean="0"/>
+              <a:rPr lang="en-US"/>
               <a:t>Fourth level</a:t>
             </a:r>
           </a:p>
           <a:p>
             <a:pPr lvl="4"/>
             <a:r>
-              <a:rPr lang="en-US" smtClean="0"/>
+              <a:rPr lang="en-US"/>
               <a:t>Fifth level</a:t>
             </a:r>
-            <a:endParaRPr lang="en-US"/>
           </a:p>
         </p:txBody>
       </p:sp>
@@ -1378,7 +1398,7 @@
           <a:p>
             <a:fld id="{E6AFBAED-4906-4B99-A878-9B8D2741E568}" type="datetimeFigureOut">
               <a:rPr lang="en-US" smtClean="0"/>
-              <a:t>3/31/2016</a:t>
+              <a:t>4/29/19</a:t>
             </a:fld>
             <a:endParaRPr lang="en-US"/>
           </a:p>
@@ -1481,10 +1501,9 @@
           </a:lstStyle>
           <a:p>
             <a:r>
-              <a:rPr lang="en-US" smtClean="0"/>
+              <a:rPr lang="en-US"/>
               <a:t>Click to edit Master title style</a:t>
             </a:r>
-            <a:endParaRPr lang="en-US"/>
           </a:p>
         </p:txBody>
       </p:sp>
@@ -1601,7 +1620,7 @@
           <a:p>
             <a:pPr lvl="0"/>
             <a:r>
-              <a:rPr lang="en-US" smtClean="0"/>
+              <a:rPr lang="en-US"/>
               <a:t>Click to edit Master text styles</a:t>
             </a:r>
           </a:p>
@@ -1624,7 +1643,7 @@
           <a:p>
             <a:fld id="{E6AFBAED-4906-4B99-A878-9B8D2741E568}" type="datetimeFigureOut">
               <a:rPr lang="en-US" smtClean="0"/>
-              <a:t>3/31/2016</a:t>
+              <a:t>4/29/19</a:t>
             </a:fld>
             <a:endParaRPr lang="en-US"/>
           </a:p>
@@ -1718,10 +1737,9 @@
           <a:lstStyle/>
           <a:p>
             <a:r>
-              <a:rPr lang="en-US" smtClean="0"/>
+              <a:rPr lang="en-US"/>
               <a:t>Click to edit Master title style</a:t>
             </a:r>
-            <a:endParaRPr lang="en-US"/>
           </a:p>
         </p:txBody>
       </p:sp>
@@ -1747,38 +1765,37 @@
           <a:p>
             <a:pPr lvl="0"/>
             <a:r>
-              <a:rPr lang="en-US" smtClean="0"/>
+              <a:rPr lang="en-US"/>
               <a:t>Click to edit Master text styles</a:t>
             </a:r>
           </a:p>
           <a:p>
             <a:pPr lvl="1"/>
             <a:r>
-              <a:rPr lang="en-US" smtClean="0"/>
+              <a:rPr lang="en-US"/>
               <a:t>Second level</a:t>
             </a:r>
           </a:p>
           <a:p>
             <a:pPr lvl="2"/>
             <a:r>
-              <a:rPr lang="en-US" smtClean="0"/>
+              <a:rPr lang="en-US"/>
               <a:t>Third level</a:t>
             </a:r>
           </a:p>
           <a:p>
             <a:pPr lvl="3"/>
             <a:r>
-              <a:rPr lang="en-US" smtClean="0"/>
+              <a:rPr lang="en-US"/>
               <a:t>Fourth level</a:t>
             </a:r>
           </a:p>
           <a:p>
             <a:pPr lvl="4"/>
             <a:r>
-              <a:rPr lang="en-US" smtClean="0"/>
+              <a:rPr lang="en-US"/>
               <a:t>Fifth level</a:t>
             </a:r>
-            <a:endParaRPr lang="en-US"/>
           </a:p>
         </p:txBody>
       </p:sp>
@@ -1804,38 +1821,37 @@
           <a:p>
             <a:pPr lvl="0"/>
             <a:r>
-              <a:rPr lang="en-US" smtClean="0"/>
+              <a:rPr lang="en-US"/>
               <a:t>Click to edit Master text styles</a:t>
             </a:r>
           </a:p>
           <a:p>
             <a:pPr lvl="1"/>
             <a:r>
-              <a:rPr lang="en-US" smtClean="0"/>
+              <a:rPr lang="en-US"/>
               <a:t>Second level</a:t>
             </a:r>
           </a:p>
           <a:p>
             <a:pPr lvl="2"/>
             <a:r>
-              <a:rPr lang="en-US" smtClean="0"/>
+              <a:rPr lang="en-US"/>
               <a:t>Third level</a:t>
             </a:r>
           </a:p>
           <a:p>
             <a:pPr lvl="3"/>
             <a:r>
-              <a:rPr lang="en-US" smtClean="0"/>
+              <a:rPr lang="en-US"/>
               <a:t>Fourth level</a:t>
             </a:r>
           </a:p>
           <a:p>
             <a:pPr lvl="4"/>
             <a:r>
-              <a:rPr lang="en-US" smtClean="0"/>
+              <a:rPr lang="en-US"/>
               <a:t>Fifth level</a:t>
             </a:r>
-            <a:endParaRPr lang="en-US"/>
           </a:p>
         </p:txBody>
       </p:sp>
@@ -1856,7 +1872,7 @@
           <a:p>
             <a:fld id="{E6AFBAED-4906-4B99-A878-9B8D2741E568}" type="datetimeFigureOut">
               <a:rPr lang="en-US" smtClean="0"/>
-              <a:t>3/31/2016</a:t>
+              <a:t>4/29/19</a:t>
             </a:fld>
             <a:endParaRPr lang="en-US"/>
           </a:p>
@@ -1955,10 +1971,9 @@
           <a:lstStyle/>
           <a:p>
             <a:r>
-              <a:rPr lang="en-US" smtClean="0"/>
+              <a:rPr lang="en-US"/>
               <a:t>Click to edit Master title style</a:t>
             </a:r>
-            <a:endParaRPr lang="en-US"/>
           </a:p>
         </p:txBody>
       </p:sp>
@@ -2021,7 +2036,7 @@
           <a:p>
             <a:pPr lvl="0"/>
             <a:r>
-              <a:rPr lang="en-US" smtClean="0"/>
+              <a:rPr lang="en-US"/>
               <a:t>Click to edit Master text styles</a:t>
             </a:r>
           </a:p>
@@ -2049,38 +2064,37 @@
           <a:p>
             <a:pPr lvl="0"/>
             <a:r>
-              <a:rPr lang="en-US" smtClean="0"/>
+              <a:rPr lang="en-US"/>
               <a:t>Click to edit Master text styles</a:t>
             </a:r>
           </a:p>
           <a:p>
             <a:pPr lvl="1"/>
             <a:r>
-              <a:rPr lang="en-US" smtClean="0"/>
+              <a:rPr lang="en-US"/>
               <a:t>Second level</a:t>
             </a:r>
           </a:p>
           <a:p>
             <a:pPr lvl="2"/>
             <a:r>
-              <a:rPr lang="en-US" smtClean="0"/>
+              <a:rPr lang="en-US"/>
               <a:t>Third level</a:t>
             </a:r>
           </a:p>
           <a:p>
             <a:pPr lvl="3"/>
             <a:r>
-              <a:rPr lang="en-US" smtClean="0"/>
+              <a:rPr lang="en-US"/>
               <a:t>Fourth level</a:t>
             </a:r>
           </a:p>
           <a:p>
             <a:pPr lvl="4"/>
             <a:r>
-              <a:rPr lang="en-US" smtClean="0"/>
+              <a:rPr lang="en-US"/>
               <a:t>Fifth level</a:t>
             </a:r>
-            <a:endParaRPr lang="en-US"/>
           </a:p>
         </p:txBody>
       </p:sp>
@@ -2143,7 +2157,7 @@
           <a:p>
             <a:pPr lvl="0"/>
             <a:r>
-              <a:rPr lang="en-US" smtClean="0"/>
+              <a:rPr lang="en-US"/>
               <a:t>Click to edit Master text styles</a:t>
             </a:r>
           </a:p>
@@ -2171,38 +2185,37 @@
           <a:p>
             <a:pPr lvl="0"/>
             <a:r>
-              <a:rPr lang="en-US" smtClean="0"/>
+              <a:rPr lang="en-US"/>
               <a:t>Click to edit Master text styles</a:t>
             </a:r>
           </a:p>
           <a:p>
             <a:pPr lvl="1"/>
             <a:r>
-              <a:rPr lang="en-US" smtClean="0"/>
+              <a:rPr lang="en-US"/>
               <a:t>Second level</a:t>
             </a:r>
           </a:p>
           <a:p>
             <a:pPr lvl="2"/>
             <a:r>
-              <a:rPr lang="en-US" smtClean="0"/>
+              <a:rPr lang="en-US"/>
               <a:t>Third level</a:t>
             </a:r>
           </a:p>
           <a:p>
             <a:pPr lvl="3"/>
             <a:r>
-              <a:rPr lang="en-US" smtClean="0"/>
+              <a:rPr lang="en-US"/>
               <a:t>Fourth level</a:t>
             </a:r>
           </a:p>
           <a:p>
             <a:pPr lvl="4"/>
             <a:r>
-              <a:rPr lang="en-US" smtClean="0"/>
+              <a:rPr lang="en-US"/>
               <a:t>Fifth level</a:t>
             </a:r>
-            <a:endParaRPr lang="en-US"/>
           </a:p>
         </p:txBody>
       </p:sp>
@@ -2223,7 +2236,7 @@
           <a:p>
             <a:fld id="{E6AFBAED-4906-4B99-A878-9B8D2741E568}" type="datetimeFigureOut">
               <a:rPr lang="en-US" smtClean="0"/>
-              <a:t>3/31/2016</a:t>
+              <a:t>4/29/19</a:t>
             </a:fld>
             <a:endParaRPr lang="en-US"/>
           </a:p>
@@ -2317,10 +2330,9 @@
           <a:lstStyle/>
           <a:p>
             <a:r>
-              <a:rPr lang="en-US" smtClean="0"/>
+              <a:rPr lang="en-US"/>
               <a:t>Click to edit Master title style</a:t>
             </a:r>
-            <a:endParaRPr lang="en-US"/>
           </a:p>
         </p:txBody>
       </p:sp>
@@ -2341,7 +2353,7 @@
           <a:p>
             <a:fld id="{E6AFBAED-4906-4B99-A878-9B8D2741E568}" type="datetimeFigureOut">
               <a:rPr lang="en-US" smtClean="0"/>
-              <a:t>3/31/2016</a:t>
+              <a:t>4/29/19</a:t>
             </a:fld>
             <a:endParaRPr lang="en-US"/>
           </a:p>
@@ -2436,7 +2448,7 @@
           <a:p>
             <a:fld id="{E6AFBAED-4906-4B99-A878-9B8D2741E568}" type="datetimeFigureOut">
               <a:rPr lang="en-US" smtClean="0"/>
-              <a:t>3/31/2016</a:t>
+              <a:t>4/29/19</a:t>
             </a:fld>
             <a:endParaRPr lang="en-US"/>
           </a:p>
@@ -2539,10 +2551,9 @@
           </a:lstStyle>
           <a:p>
             <a:r>
-              <a:rPr lang="en-US" smtClean="0"/>
+              <a:rPr lang="en-US"/>
               <a:t>Click to edit Master title style</a:t>
             </a:r>
-            <a:endParaRPr lang="en-US"/>
           </a:p>
         </p:txBody>
       </p:sp>
@@ -2596,38 +2607,37 @@
           <a:p>
             <a:pPr lvl="0"/>
             <a:r>
-              <a:rPr lang="en-US" smtClean="0"/>
+              <a:rPr lang="en-US"/>
               <a:t>Click to edit Master text styles</a:t>
             </a:r>
           </a:p>
           <a:p>
             <a:pPr lvl="1"/>
             <a:r>
-              <a:rPr lang="en-US" smtClean="0"/>
+              <a:rPr lang="en-US"/>
               <a:t>Second level</a:t>
             </a:r>
           </a:p>
           <a:p>
             <a:pPr lvl="2"/>
             <a:r>
-              <a:rPr lang="en-US" smtClean="0"/>
+              <a:rPr lang="en-US"/>
               <a:t>Third level</a:t>
             </a:r>
           </a:p>
           <a:p>
             <a:pPr lvl="3"/>
             <a:r>
-              <a:rPr lang="en-US" smtClean="0"/>
+              <a:rPr lang="en-US"/>
               <a:t>Fourth level</a:t>
             </a:r>
           </a:p>
           <a:p>
             <a:pPr lvl="4"/>
             <a:r>
-              <a:rPr lang="en-US" smtClean="0"/>
+              <a:rPr lang="en-US"/>
               <a:t>Fifth level</a:t>
             </a:r>
-            <a:endParaRPr lang="en-US"/>
           </a:p>
         </p:txBody>
       </p:sp>
@@ -2690,7 +2700,7 @@
           <a:p>
             <a:pPr lvl="0"/>
             <a:r>
-              <a:rPr lang="en-US" smtClean="0"/>
+              <a:rPr lang="en-US"/>
               <a:t>Click to edit Master text styles</a:t>
             </a:r>
           </a:p>
@@ -2713,7 +2723,7 @@
           <a:p>
             <a:fld id="{E6AFBAED-4906-4B99-A878-9B8D2741E568}" type="datetimeFigureOut">
               <a:rPr lang="en-US" smtClean="0"/>
-              <a:t>3/31/2016</a:t>
+              <a:t>4/29/19</a:t>
             </a:fld>
             <a:endParaRPr lang="en-US"/>
           </a:p>
@@ -2816,10 +2826,9 @@
           </a:lstStyle>
           <a:p>
             <a:r>
-              <a:rPr lang="en-US" smtClean="0"/>
+              <a:rPr lang="en-US"/>
               <a:t>Click to edit Master title style</a:t>
             </a:r>
-            <a:endParaRPr lang="en-US"/>
           </a:p>
         </p:txBody>
       </p:sp>
@@ -2943,7 +2952,7 @@
           <a:p>
             <a:pPr lvl="0"/>
             <a:r>
-              <a:rPr lang="en-US" smtClean="0"/>
+              <a:rPr lang="en-US"/>
               <a:t>Click to edit Master text styles</a:t>
             </a:r>
           </a:p>
@@ -2966,7 +2975,7 @@
           <a:p>
             <a:fld id="{E6AFBAED-4906-4B99-A878-9B8D2741E568}" type="datetimeFigureOut">
               <a:rPr lang="en-US" smtClean="0"/>
-              <a:t>3/31/2016</a:t>
+              <a:t>4/29/19</a:t>
             </a:fld>
             <a:endParaRPr lang="en-US"/>
           </a:p>
@@ -3075,10 +3084,9 @@
           <a:lstStyle/>
           <a:p>
             <a:r>
-              <a:rPr lang="en-US" smtClean="0"/>
+              <a:rPr lang="en-US"/>
               <a:t>Click to edit Master title style</a:t>
             </a:r>
-            <a:endParaRPr lang="en-US"/>
           </a:p>
         </p:txBody>
       </p:sp>
@@ -3109,38 +3117,37 @@
           <a:p>
             <a:pPr lvl="0"/>
             <a:r>
-              <a:rPr lang="en-US" smtClean="0"/>
+              <a:rPr lang="en-US"/>
               <a:t>Click to edit Master text styles</a:t>
             </a:r>
           </a:p>
           <a:p>
             <a:pPr lvl="1"/>
             <a:r>
-              <a:rPr lang="en-US" smtClean="0"/>
+              <a:rPr lang="en-US"/>
               <a:t>Second level</a:t>
             </a:r>
           </a:p>
           <a:p>
             <a:pPr lvl="2"/>
             <a:r>
-              <a:rPr lang="en-US" smtClean="0"/>
+              <a:rPr lang="en-US"/>
               <a:t>Third level</a:t>
             </a:r>
           </a:p>
           <a:p>
             <a:pPr lvl="3"/>
             <a:r>
-              <a:rPr lang="en-US" smtClean="0"/>
+              <a:rPr lang="en-US"/>
               <a:t>Fourth level</a:t>
             </a:r>
           </a:p>
           <a:p>
             <a:pPr lvl="4"/>
             <a:r>
-              <a:rPr lang="en-US" smtClean="0"/>
+              <a:rPr lang="en-US"/>
               <a:t>Fifth level</a:t>
             </a:r>
-            <a:endParaRPr lang="en-US"/>
           </a:p>
         </p:txBody>
       </p:sp>
@@ -3179,7 +3186,7 @@
           <a:p>
             <a:fld id="{E6AFBAED-4906-4B99-A878-9B8D2741E568}" type="datetimeFigureOut">
               <a:rPr lang="en-US" smtClean="0"/>
-              <a:t>3/31/2016</a:t>
+              <a:t>4/29/19</a:t>
             </a:fld>
             <a:endParaRPr lang="en-US"/>
           </a:p>
@@ -3600,7 +3607,7 @@
           <a:lstStyle/>
           <a:p>
             <a:r>
-              <a:rPr lang="en-US" dirty="0" smtClean="0"/>
+              <a:rPr lang="en-US" dirty="0"/>
               <a:t>lab2-</a:t>
             </a:r>
             <a:r>
@@ -3608,30 +3615,26 @@
               <a:t>Defusing a Binary Bomb</a:t>
             </a:r>
             <a:r>
-              <a:rPr lang="en-US" dirty="0" smtClean="0"/>
+              <a:rPr lang="en-US" dirty="0"/>
               <a:t> </a:t>
             </a:r>
-            <a:r>
-              <a:rPr lang="en-US" dirty="0" smtClean="0"/>
-              <a:t/>
-            </a:r>
             <a:br>
-              <a:rPr lang="en-US" dirty="0" smtClean="0"/>
+              <a:rPr lang="en-US" dirty="0"/>
             </a:br>
             <a:r>
-              <a:rPr lang="en-US" sz="4400" dirty="0" smtClean="0"/>
+              <a:rPr lang="en-US" sz="4400" dirty="0"/>
               <a:t>S</a:t>
             </a:r>
             <a:r>
-              <a:rPr lang="en-US" altLang="zh-CN" sz="4400" dirty="0" smtClean="0"/>
+              <a:rPr lang="en-US" altLang="zh-CN" sz="4400" dirty="0"/>
               <a:t>pring</a:t>
             </a:r>
             <a:r>
-              <a:rPr lang="en-US" sz="4400" dirty="0" smtClean="0"/>
+              <a:rPr lang="en-US" sz="4400" dirty="0"/>
               <a:t> 201</a:t>
             </a:r>
             <a:r>
-              <a:rPr lang="en-US" altLang="zh-CN" sz="4400" dirty="0" smtClean="0"/>
+              <a:rPr lang="en-US" altLang="zh-CN" sz="4400" dirty="0"/>
               <a:t>6</a:t>
             </a:r>
             <a:endParaRPr lang="en-US" sz="4400" dirty="0"/>
@@ -3667,13 +3670,6 @@
   <p:clrMapOvr>
     <a:masterClrMapping/>
   </p:clrMapOvr>
-  <p:timing>
-    <p:tnLst>
-      <p:par>
-        <p:cTn id="1" dur="indefinite" restart="never" nodeType="tmRoot"/>
-      </p:par>
-    </p:tnLst>
-  </p:timing>
 </p:sld>
 </file>
 
@@ -3736,11 +3732,7 @@
             </a:pPr>
             <a:r>
               <a:rPr lang="en-US" altLang="zh-CN" sz="4400" dirty="0"/>
-              <a:t>Assembly </a:t>
-            </a:r>
-            <a:r>
-              <a:rPr lang="en-US" altLang="zh-CN" sz="4400" dirty="0" smtClean="0"/>
-              <a:t>Refresher</a:t>
+              <a:t>Assembly Refresher</a:t>
             </a:r>
             <a:r>
               <a:rPr lang="en-US" altLang="zh-CN" sz="2800" dirty="0">
@@ -3760,27 +3752,7 @@
                 <a:latin typeface="Arial"/>
                 <a:ea typeface="Arial"/>
               </a:rPr>
-              <a:t>x64 </a:t>
-            </a:r>
-            <a:r>
-              <a:rPr lang="en-US" sz="2800" dirty="0">
-                <a:solidFill>
-                  <a:srgbClr val="000000"/>
-                </a:solidFill>
-                <a:latin typeface="Arial"/>
-                <a:ea typeface="Arial"/>
-              </a:rPr>
-              <a:t>Assembly: </a:t>
-            </a:r>
-            <a:r>
-              <a:rPr lang="en-US" sz="2800" dirty="0">
-                <a:solidFill>
-                  <a:srgbClr val="000000"/>
-                </a:solidFill>
-                <a:latin typeface="Arial"/>
-                <a:ea typeface="Arial"/>
-              </a:rPr>
-              <a:t>Operands)</a:t>
+              <a:t>x64 Assembly: Operands)</a:t>
             </a:r>
             <a:endParaRPr sz="2800" dirty="0">
               <a:solidFill>
@@ -3815,10 +3787,34 @@
                 <a:tableStyleId>{08FB837D-C827-4EFA-A057-4D05807E0F7C}</a:tableStyleId>
               </a:tblPr>
               <a:tblGrid>
-                <a:gridCol w="1514811"/>
-                <a:gridCol w="1720145"/>
-                <a:gridCol w="2822203"/>
-                <a:gridCol w="3564823"/>
+                <a:gridCol w="1514811">
+                  <a:extLst>
+                    <a:ext uri="{9D8B030D-6E8A-4147-A177-3AD203B41FA5}">
+                      <a16:colId xmlns:a16="http://schemas.microsoft.com/office/drawing/2014/main" val="20000"/>
+                    </a:ext>
+                  </a:extLst>
+                </a:gridCol>
+                <a:gridCol w="1720145">
+                  <a:extLst>
+                    <a:ext uri="{9D8B030D-6E8A-4147-A177-3AD203B41FA5}">
+                      <a16:colId xmlns:a16="http://schemas.microsoft.com/office/drawing/2014/main" val="20001"/>
+                    </a:ext>
+                  </a:extLst>
+                </a:gridCol>
+                <a:gridCol w="2822203">
+                  <a:extLst>
+                    <a:ext uri="{9D8B030D-6E8A-4147-A177-3AD203B41FA5}">
+                      <a16:colId xmlns:a16="http://schemas.microsoft.com/office/drawing/2014/main" val="20002"/>
+                    </a:ext>
+                  </a:extLst>
+                </a:gridCol>
+                <a:gridCol w="3564823">
+                  <a:extLst>
+                    <a:ext uri="{9D8B030D-6E8A-4147-A177-3AD203B41FA5}">
+                      <a16:colId xmlns:a16="http://schemas.microsoft.com/office/drawing/2014/main" val="20003"/>
+                    </a:ext>
+                  </a:extLst>
+                </a:gridCol>
               </a:tblGrid>
               <a:tr h="780524">
                 <a:tc>
@@ -3897,6 +3893,11 @@
                   </a:txBody>
                   <a:tcPr marL="121920" marR="121920" marT="60960" marB="60960"/>
                 </a:tc>
+                <a:extLst>
+                  <a:ext uri="{0D108BD9-81ED-4DB2-BD59-A6C34878D82A}">
+                    <a16:rowId xmlns:a16="http://schemas.microsoft.com/office/drawing/2014/main" val="10000"/>
+                  </a:ext>
+                </a:extLst>
               </a:tr>
               <a:tr h="1293797">
                 <a:tc>
@@ -3987,6 +3988,11 @@
                   </a:txBody>
                   <a:tcPr marL="121920" marR="121920" marT="60960" marB="60960"/>
                 </a:tc>
+                <a:extLst>
+                  <a:ext uri="{0D108BD9-81ED-4DB2-BD59-A6C34878D82A}">
+                    <a16:rowId xmlns:a16="http://schemas.microsoft.com/office/drawing/2014/main" val="10001"/>
+                  </a:ext>
+                </a:extLst>
               </a:tr>
               <a:tr h="1048738">
                 <a:tc>
@@ -4085,6 +4091,11 @@
                   </a:txBody>
                   <a:tcPr marL="121920" marR="121920" marT="60960" marB="60960"/>
                 </a:tc>
+                <a:extLst>
+                  <a:ext uri="{0D108BD9-81ED-4DB2-BD59-A6C34878D82A}">
+                    <a16:rowId xmlns:a16="http://schemas.microsoft.com/office/drawing/2014/main" val="10002"/>
+                  </a:ext>
+                </a:extLst>
               </a:tr>
               <a:tr h="1507501">
                 <a:tc>
@@ -4219,6 +4230,11 @@
                   </a:txBody>
                   <a:tcPr marL="121920" marR="121920" marT="60960" marB="60960"/>
                 </a:tc>
+                <a:extLst>
+                  <a:ext uri="{0D108BD9-81ED-4DB2-BD59-A6C34878D82A}">
+                    <a16:rowId xmlns:a16="http://schemas.microsoft.com/office/drawing/2014/main" val="10003"/>
+                  </a:ext>
+                </a:extLst>
               </a:tr>
             </a:tbl>
           </a:graphicData>
@@ -4323,11 +4339,7 @@
             </a:pPr>
             <a:r>
               <a:rPr lang="en-US" altLang="zh-CN" sz="4000" dirty="0"/>
-              <a:t>Assembly </a:t>
-            </a:r>
-            <a:r>
-              <a:rPr lang="en-US" altLang="zh-CN" sz="4000" dirty="0" smtClean="0"/>
-              <a:t>Refresher</a:t>
+              <a:t>Assembly Refresher</a:t>
             </a:r>
             <a:r>
               <a:rPr lang="en-US" altLang="zh-CN" sz="2800" dirty="0">
@@ -4436,18 +4448,9 @@
                 </a:solidFill>
                 <a:latin typeface="Corbel"/>
               </a:rPr>
-              <a:t> parenthesis means </a:t>
-            </a:r>
-            <a:r>
-              <a:rPr lang="en-US" sz="2400" dirty="0" smtClean="0">
-                <a:solidFill>
-                  <a:srgbClr val="000000"/>
-                </a:solidFill>
-                <a:latin typeface="Corbel"/>
-              </a:rPr>
-              <a:t>dereference.</a:t>
-            </a:r>
-            <a:endParaRPr sz="2400" dirty="0" smtClean="0"/>
+              <a:t> parenthesis means dereference.</a:t>
+            </a:r>
+            <a:endParaRPr sz="2400" dirty="0"/>
           </a:p>
           <a:p>
             <a:pPr>
@@ -4458,31 +4461,13 @@
               <a:buChar char="•"/>
             </a:pPr>
             <a:r>
-              <a:rPr lang="en-US" sz="2800" dirty="0" smtClean="0">
+              <a:rPr lang="en-US" sz="2800" dirty="0">
                 <a:solidFill>
                   <a:srgbClr val="000000"/>
                 </a:solidFill>
                 <a:latin typeface="Corbel"/>
               </a:rPr>
-              <a:t>Example </a:t>
-            </a:r>
-            <a:r>
-              <a:rPr lang="en-US" sz="2800" dirty="0">
-                <a:solidFill>
-                  <a:srgbClr val="000000"/>
-                </a:solidFill>
-                <a:latin typeface="Corbel"/>
-              </a:rPr>
-              <a:t>of usage</a:t>
-            </a:r>
-            <a:r>
-              <a:rPr lang="en-US" sz="2800" dirty="0" smtClean="0">
-                <a:solidFill>
-                  <a:srgbClr val="000000"/>
-                </a:solidFill>
-                <a:latin typeface="Corbel"/>
-              </a:rPr>
-              <a:t>:</a:t>
+              <a:t>Example of usage:</a:t>
             </a:r>
             <a:endParaRPr sz="2400" dirty="0"/>
           </a:p>
@@ -4522,7 +4507,7 @@
               <a:t>) - contents of memory at address stored in %</a:t>
             </a:r>
             <a:r>
-              <a:rPr lang="en-US" sz="2400" dirty="0" err="1" smtClean="0">
+              <a:rPr lang="en-US" sz="2400" dirty="0" err="1">
                 <a:solidFill>
                   <a:srgbClr val="000000"/>
                 </a:solidFill>
@@ -4530,7 +4515,7 @@
               </a:rPr>
               <a:t>eax</a:t>
             </a:r>
-            <a:endParaRPr sz="2400" dirty="0" smtClean="0"/>
+            <a:endParaRPr sz="2400" dirty="0"/>
           </a:p>
           <a:p>
             <a:pPr lvl="1">
@@ -4541,7 +4526,7 @@
               <a:buChar char="•"/>
             </a:pPr>
             <a:r>
-              <a:rPr lang="en-US" sz="2400" dirty="0" smtClean="0">
+              <a:rPr lang="en-US" sz="2400" dirty="0">
                 <a:solidFill>
                   <a:srgbClr val="000000"/>
                 </a:solidFill>
@@ -4613,7 +4598,7 @@
               <a:t>ecx</a:t>
             </a:r>
             <a:r>
-              <a:rPr lang="en-US" sz="2400" dirty="0" smtClean="0">
+              <a:rPr lang="en-US" sz="2400" dirty="0">
                 <a:solidFill>
                   <a:srgbClr val="000000"/>
                 </a:solidFill>
@@ -4677,7 +4662,7 @@
               <a:t>, 8) – contents of memory at address = %ebx+8*%</a:t>
             </a:r>
             <a:r>
-              <a:rPr lang="en-US" sz="2400" dirty="0" err="1" smtClean="0">
+              <a:rPr lang="en-US" sz="2400" dirty="0" err="1">
                 <a:solidFill>
                   <a:srgbClr val="000000"/>
                 </a:solidFill>
@@ -4790,13 +4775,6 @@
   <p:clrMapOvr>
     <a:masterClrMapping/>
   </p:clrMapOvr>
-  <p:timing>
-    <p:tnLst>
-      <p:par>
-        <p:cTn id="1" dur="indefinite" restart="never" nodeType="tmRoot"/>
-      </p:par>
-    </p:tnLst>
-  </p:timing>
 </p:sld>
 </file>
 
@@ -4859,11 +4837,7 @@
             </a:pPr>
             <a:r>
               <a:rPr lang="en-US" altLang="zh-CN" sz="4400" dirty="0"/>
-              <a:t>Assembly </a:t>
-            </a:r>
-            <a:r>
-              <a:rPr lang="en-US" altLang="zh-CN" sz="4400" dirty="0" smtClean="0"/>
-              <a:t>Refresher</a:t>
+              <a:t>Assembly Refresher</a:t>
             </a:r>
             <a:r>
               <a:rPr lang="en-US" altLang="zh-CN" sz="2800" dirty="0">
@@ -4883,27 +4857,7 @@
                 <a:latin typeface="Arial"/>
                 <a:ea typeface="Arial"/>
               </a:rPr>
-              <a:t>x64 </a:t>
-            </a:r>
-            <a:r>
-              <a:rPr lang="en-US" sz="2800" dirty="0">
-                <a:solidFill>
-                  <a:srgbClr val="000000"/>
-                </a:solidFill>
-                <a:latin typeface="Arial"/>
-                <a:ea typeface="Arial"/>
-              </a:rPr>
-              <a:t>Assembly: Arithmetic </a:t>
-            </a:r>
-            <a:r>
-              <a:rPr lang="en-US" sz="2800" dirty="0">
-                <a:solidFill>
-                  <a:srgbClr val="000000"/>
-                </a:solidFill>
-                <a:latin typeface="Arial"/>
-                <a:ea typeface="Arial"/>
-              </a:rPr>
-              <a:t>Operations)</a:t>
+              <a:t>x64 Assembly: Arithmetic Operations)</a:t>
             </a:r>
             <a:endParaRPr sz="2800" dirty="0">
               <a:solidFill>
@@ -5339,17 +5293,7 @@
                 <a:latin typeface="Arial"/>
                 <a:ea typeface="Arial"/>
               </a:rPr>
-              <a:t>r8 += value </a:t>
-            </a:r>
-            <a:r>
-              <a:rPr lang="en-US" sz="3200" dirty="0">
-                <a:solidFill>
-                  <a:srgbClr val="000000"/>
-                </a:solidFill>
-                <a:latin typeface="Arial"/>
-                <a:ea typeface="Arial"/>
-              </a:rPr>
-              <a:t>at address </a:t>
+              <a:t>r8 += value at address </a:t>
             </a:r>
             <a:r>
               <a:rPr lang="en-US" sz="3200" dirty="0" err="1">
@@ -5589,11 +5533,7 @@
             </a:pPr>
             <a:r>
               <a:rPr lang="en-US" altLang="zh-CN" sz="4400" dirty="0"/>
-              <a:t>Assembly </a:t>
-            </a:r>
-            <a:r>
-              <a:rPr lang="en-US" altLang="zh-CN" sz="4400" dirty="0" smtClean="0"/>
-              <a:t>Refresher</a:t>
+              <a:t>Assembly Refresher</a:t>
             </a:r>
             <a:r>
               <a:rPr lang="en-US" altLang="zh-CN" sz="2800" dirty="0">
@@ -5613,27 +5553,7 @@
                 <a:latin typeface="Arial"/>
                 <a:ea typeface="Arial"/>
               </a:rPr>
-              <a:t>x64 </a:t>
-            </a:r>
-            <a:r>
-              <a:rPr lang="en-US" sz="2800" dirty="0">
-                <a:solidFill>
-                  <a:srgbClr val="000000"/>
-                </a:solidFill>
-                <a:latin typeface="Arial"/>
-                <a:ea typeface="Arial"/>
-              </a:rPr>
-              <a:t>Assembly: Calling </a:t>
-            </a:r>
-            <a:r>
-              <a:rPr lang="en-US" sz="2800" dirty="0">
-                <a:solidFill>
-                  <a:srgbClr val="000000"/>
-                </a:solidFill>
-                <a:latin typeface="Arial"/>
-                <a:ea typeface="Arial"/>
-              </a:rPr>
-              <a:t>Convention)</a:t>
+              <a:t>x64 Assembly: Calling Convention)</a:t>
             </a:r>
             <a:endParaRPr sz="2800" dirty="0">
               <a:solidFill>
@@ -6182,11 +6102,7 @@
             </a:pPr>
             <a:r>
               <a:rPr lang="en-US" altLang="zh-CN" sz="4400" dirty="0"/>
-              <a:t>Assembly </a:t>
-            </a:r>
-            <a:r>
-              <a:rPr lang="en-US" altLang="zh-CN" sz="4400" dirty="0" smtClean="0"/>
-              <a:t>Refresher</a:t>
+              <a:t>Assembly Refresher</a:t>
             </a:r>
             <a:r>
               <a:rPr lang="en-US" altLang="zh-CN" sz="2800" dirty="0">
@@ -6206,27 +6122,7 @@
                 <a:latin typeface="Arial"/>
                 <a:ea typeface="Arial"/>
               </a:rPr>
-              <a:t>x64 </a:t>
-            </a:r>
-            <a:r>
-              <a:rPr lang="en-US" sz="2800" dirty="0">
-                <a:solidFill>
-                  <a:srgbClr val="000000"/>
-                </a:solidFill>
-                <a:latin typeface="Arial"/>
-                <a:ea typeface="Arial"/>
-              </a:rPr>
-              <a:t>Assembly: </a:t>
-            </a:r>
-            <a:r>
-              <a:rPr lang="en-US" sz="2800" dirty="0">
-                <a:solidFill>
-                  <a:srgbClr val="000000"/>
-                </a:solidFill>
-                <a:latin typeface="Arial"/>
-                <a:ea typeface="Arial"/>
-              </a:rPr>
-              <a:t>Comparisons)</a:t>
+              <a:t>x64 Assembly: Comparisons)</a:t>
             </a:r>
             <a:endParaRPr sz="2800" dirty="0">
               <a:solidFill>
@@ -6591,17 +6487,7 @@
                 <a:latin typeface="Courier New"/>
                 <a:ea typeface="Courier New"/>
               </a:rPr>
-              <a:t> </a:t>
-            </a:r>
-            <a:r>
-              <a:rPr lang="en-US" sz="3200" dirty="0">
-                <a:solidFill>
-                  <a:srgbClr val="000000"/>
-                </a:solidFill>
-                <a:latin typeface="Courier New"/>
-                <a:ea typeface="Courier New"/>
-              </a:rPr>
-              <a:t>0x8675309</a:t>
+              <a:t> 0x8675309</a:t>
             </a:r>
             <a:endParaRPr sz="2400" dirty="0"/>
           </a:p>
@@ -6725,17 +6611,7 @@
                 <a:latin typeface="Courier New"/>
                 <a:ea typeface="Courier New"/>
               </a:rPr>
-              <a:t>0x</a:t>
-            </a:r>
-            <a:r>
-              <a:rPr lang="en-US" sz="3200" dirty="0">
-                <a:solidFill>
-                  <a:srgbClr val="000000"/>
-                </a:solidFill>
-                <a:latin typeface="Courier New"/>
-                <a:ea typeface="Courier New"/>
-              </a:rPr>
-              <a:t>8675309</a:t>
+              <a:t>0x8675309</a:t>
             </a:r>
             <a:endParaRPr sz="2400" dirty="0"/>
           </a:p>
@@ -6840,11 +6716,7 @@
             </a:pPr>
             <a:r>
               <a:rPr lang="en-US" altLang="zh-CN" sz="4400" dirty="0"/>
-              <a:t>Assembly </a:t>
-            </a:r>
-            <a:r>
-              <a:rPr lang="en-US" altLang="zh-CN" sz="4400" dirty="0" smtClean="0"/>
-              <a:t>Refresher</a:t>
+              <a:t>Assembly Refresher</a:t>
             </a:r>
             <a:r>
               <a:rPr lang="en-US" altLang="zh-CN" sz="2800" dirty="0">
@@ -6864,27 +6736,7 @@
                 <a:latin typeface="Arial"/>
                 <a:ea typeface="Arial"/>
               </a:rPr>
-              <a:t>x64 </a:t>
-            </a:r>
-            <a:r>
-              <a:rPr lang="en-US" sz="2800" dirty="0">
-                <a:solidFill>
-                  <a:srgbClr val="000000"/>
-                </a:solidFill>
-                <a:latin typeface="Arial"/>
-                <a:ea typeface="Arial"/>
-              </a:rPr>
-              <a:t>Assembly: </a:t>
-            </a:r>
-            <a:r>
-              <a:rPr lang="en-US" sz="2800" dirty="0">
-                <a:solidFill>
-                  <a:srgbClr val="000000"/>
-                </a:solidFill>
-                <a:latin typeface="Arial"/>
-                <a:ea typeface="Arial"/>
-              </a:rPr>
-              <a:t>Jumps)</a:t>
+              <a:t>x64 Assembly: Jumps)</a:t>
             </a:r>
             <a:endParaRPr sz="2800" dirty="0">
               <a:solidFill>
@@ -6915,10 +6767,34 @@
                 <a:tableStyleId>{69C7853C-536D-4A76-A0AE-DD22124D55A5}</a:tableStyleId>
               </a:tblPr>
               <a:tblGrid>
-                <a:gridCol w="1990560"/>
-                <a:gridCol w="3377633"/>
-                <a:gridCol w="2034988"/>
-                <a:gridCol w="3144819"/>
+                <a:gridCol w="1990560">
+                  <a:extLst>
+                    <a:ext uri="{9D8B030D-6E8A-4147-A177-3AD203B41FA5}">
+                      <a16:colId xmlns:a16="http://schemas.microsoft.com/office/drawing/2014/main" val="20000"/>
+                    </a:ext>
+                  </a:extLst>
+                </a:gridCol>
+                <a:gridCol w="3377633">
+                  <a:extLst>
+                    <a:ext uri="{9D8B030D-6E8A-4147-A177-3AD203B41FA5}">
+                      <a16:colId xmlns:a16="http://schemas.microsoft.com/office/drawing/2014/main" val="20001"/>
+                    </a:ext>
+                  </a:extLst>
+                </a:gridCol>
+                <a:gridCol w="2034988">
+                  <a:extLst>
+                    <a:ext uri="{9D8B030D-6E8A-4147-A177-3AD203B41FA5}">
+                      <a16:colId xmlns:a16="http://schemas.microsoft.com/office/drawing/2014/main" val="20002"/>
+                    </a:ext>
+                  </a:extLst>
+                </a:gridCol>
+                <a:gridCol w="3144819">
+                  <a:extLst>
+                    <a:ext uri="{9D8B030D-6E8A-4147-A177-3AD203B41FA5}">
+                      <a16:colId xmlns:a16="http://schemas.microsoft.com/office/drawing/2014/main" val="20003"/>
+                    </a:ext>
+                  </a:extLst>
+                </a:gridCol>
               </a:tblGrid>
               <a:tr h="482880">
                 <a:tc>
@@ -6997,6 +6873,11 @@
                   </a:txBody>
                   <a:tcPr marL="121920" marR="121920" marT="60960" marB="60960"/>
                 </a:tc>
+                <a:extLst>
+                  <a:ext uri="{0D108BD9-81ED-4DB2-BD59-A6C34878D82A}">
+                    <a16:rowId xmlns:a16="http://schemas.microsoft.com/office/drawing/2014/main" val="10000"/>
+                  </a:ext>
+                </a:extLst>
               </a:tr>
               <a:tr h="424800">
                 <a:tc>
@@ -7075,6 +6956,11 @@
                   </a:txBody>
                   <a:tcPr marL="121920" marR="121920" marT="60960" marB="60960"/>
                 </a:tc>
+                <a:extLst>
+                  <a:ext uri="{0D108BD9-81ED-4DB2-BD59-A6C34878D82A}">
+                    <a16:rowId xmlns:a16="http://schemas.microsoft.com/office/drawing/2014/main" val="10001"/>
+                  </a:ext>
+                </a:extLst>
               </a:tr>
               <a:tr h="694080">
                 <a:tc>
@@ -7153,6 +7039,11 @@
                   </a:txBody>
                   <a:tcPr marL="121920" marR="121920" marT="60960" marB="60960"/>
                 </a:tc>
+                <a:extLst>
+                  <a:ext uri="{0D108BD9-81ED-4DB2-BD59-A6C34878D82A}">
+                    <a16:rowId xmlns:a16="http://schemas.microsoft.com/office/drawing/2014/main" val="10002"/>
+                  </a:ext>
+                </a:extLst>
               </a:tr>
               <a:tr h="694080">
                 <a:tc>
@@ -7231,6 +7122,11 @@
                   </a:txBody>
                   <a:tcPr marL="121920" marR="121920" marT="60960" marB="60960"/>
                 </a:tc>
+                <a:extLst>
+                  <a:ext uri="{0D108BD9-81ED-4DB2-BD59-A6C34878D82A}">
+                    <a16:rowId xmlns:a16="http://schemas.microsoft.com/office/drawing/2014/main" val="10003"/>
+                  </a:ext>
+                </a:extLst>
               </a:tr>
               <a:tr h="694080">
                 <a:tc>
@@ -7264,11 +7160,7 @@
                       </a:pPr>
                       <a:r>
                         <a:rPr lang="en-US" sz="1900" strike="noStrike" dirty="0"/>
-                        <a:t>Jump if </a:t>
-                      </a:r>
-                      <a:r>
-                        <a:rPr lang="en-US" sz="1900" strike="noStrike" dirty="0" smtClean="0"/>
-                        <a:t>greater (signed &gt;)</a:t>
+                        <a:t>Jump if greater (signed &gt;)</a:t>
                       </a:r>
                       <a:endParaRPr sz="2400" dirty="0"/>
                     </a:p>
@@ -7313,6 +7205,11 @@
                   </a:txBody>
                   <a:tcPr marL="121920" marR="121920" marT="60960" marB="60960"/>
                 </a:tc>
+                <a:extLst>
+                  <a:ext uri="{0D108BD9-81ED-4DB2-BD59-A6C34878D82A}">
+                    <a16:rowId xmlns:a16="http://schemas.microsoft.com/office/drawing/2014/main" val="10004"/>
+                  </a:ext>
+                </a:extLst>
               </a:tr>
               <a:tr h="694080">
                 <a:tc>
@@ -7395,6 +7292,11 @@
                   </a:txBody>
                   <a:tcPr marL="121920" marR="121920" marT="60960" marB="60960"/>
                 </a:tc>
+                <a:extLst>
+                  <a:ext uri="{0D108BD9-81ED-4DB2-BD59-A6C34878D82A}">
+                    <a16:rowId xmlns:a16="http://schemas.microsoft.com/office/drawing/2014/main" val="10005"/>
+                  </a:ext>
+                </a:extLst>
               </a:tr>
               <a:tr h="424800">
                 <a:tc>
@@ -7473,6 +7375,11 @@
                   </a:txBody>
                   <a:tcPr marL="121920" marR="121920" marT="60960" marB="60960"/>
                 </a:tc>
+                <a:extLst>
+                  <a:ext uri="{0D108BD9-81ED-4DB2-BD59-A6C34878D82A}">
+                    <a16:rowId xmlns:a16="http://schemas.microsoft.com/office/drawing/2014/main" val="10006"/>
+                  </a:ext>
+                </a:extLst>
               </a:tr>
               <a:tr h="696000">
                 <a:tc>
@@ -7533,6 +7440,11 @@
                   </a:txBody>
                   <a:tcPr marL="121920" marR="121920" marT="60960" marB="60960"/>
                 </a:tc>
+                <a:extLst>
+                  <a:ext uri="{0D108BD9-81ED-4DB2-BD59-A6C34878D82A}">
+                    <a16:rowId xmlns:a16="http://schemas.microsoft.com/office/drawing/2014/main" val="10007"/>
+                  </a:ext>
+                </a:extLst>
               </a:tr>
             </a:tbl>
           </a:graphicData>
@@ -7637,11 +7549,7 @@
           <a:p>
             <a:r>
               <a:rPr lang="en-US" altLang="zh-CN" sz="4400" dirty="0"/>
-              <a:t>Assembly </a:t>
-            </a:r>
-            <a:r>
-              <a:rPr lang="en-US" altLang="zh-CN" sz="4400" dirty="0"/>
-              <a:t>Refresher</a:t>
+              <a:t>Assembly Refresher</a:t>
             </a:r>
             <a:r>
               <a:rPr lang="en-US" altLang="zh-CN" sz="2800" dirty="0">
@@ -8154,11 +8062,7 @@
             </a:pPr>
             <a:r>
               <a:rPr lang="en-US" altLang="zh-CN" sz="4400" dirty="0"/>
-              <a:t>Assembly </a:t>
-            </a:r>
-            <a:r>
-              <a:rPr lang="en-US" altLang="zh-CN" sz="4400" dirty="0" smtClean="0"/>
-              <a:t>Refresher</a:t>
+              <a:t>Assembly Refresher</a:t>
             </a:r>
             <a:r>
               <a:rPr lang="en-US" altLang="zh-CN" sz="2800" dirty="0">
@@ -8178,27 +8082,7 @@
                 <a:latin typeface="Arial"/>
                 <a:ea typeface="Arial"/>
               </a:rPr>
-              <a:t>x64 </a:t>
-            </a:r>
-            <a:r>
-              <a:rPr lang="en-US" sz="2800" dirty="0">
-                <a:solidFill>
-                  <a:srgbClr val="000000"/>
-                </a:solidFill>
-                <a:latin typeface="Arial"/>
-                <a:ea typeface="Arial"/>
-              </a:rPr>
-              <a:t>Assembly: A Quick </a:t>
-            </a:r>
-            <a:r>
-              <a:rPr lang="en-US" sz="2800" dirty="0">
-                <a:solidFill>
-                  <a:srgbClr val="000000"/>
-                </a:solidFill>
-                <a:latin typeface="Arial"/>
-                <a:ea typeface="Arial"/>
-              </a:rPr>
-              <a:t>Drill)</a:t>
+              <a:t>x64 Assembly: A Quick Drill)</a:t>
             </a:r>
             <a:endParaRPr sz="2800" dirty="0">
               <a:solidFill>
@@ -8663,11 +8547,7 @@
             </a:pPr>
             <a:r>
               <a:rPr lang="en-US" altLang="zh-CN" sz="4400" dirty="0"/>
-              <a:t>Assembly </a:t>
-            </a:r>
-            <a:r>
-              <a:rPr lang="en-US" altLang="zh-CN" sz="4400" dirty="0"/>
-              <a:t>Refresher</a:t>
+              <a:t>Assembly Refresher</a:t>
             </a:r>
             <a:r>
               <a:rPr lang="en-US" altLang="zh-CN" sz="2800" dirty="0">
@@ -8687,27 +8567,7 @@
                 <a:latin typeface="Arial"/>
                 <a:ea typeface="Arial"/>
               </a:rPr>
-              <a:t>x64 </a:t>
-            </a:r>
-            <a:r>
-              <a:rPr lang="en-US" sz="2800" dirty="0">
-                <a:solidFill>
-                  <a:srgbClr val="000000"/>
-                </a:solidFill>
-                <a:latin typeface="Arial"/>
-                <a:ea typeface="Arial"/>
-              </a:rPr>
-              <a:t>Assembly: A Quick </a:t>
-            </a:r>
-            <a:r>
-              <a:rPr lang="en-US" sz="2800" dirty="0">
-                <a:solidFill>
-                  <a:srgbClr val="000000"/>
-                </a:solidFill>
-                <a:latin typeface="Arial"/>
-                <a:ea typeface="Arial"/>
-              </a:rPr>
-              <a:t>Drill)</a:t>
+              <a:t>x64 Assembly: A Quick Drill)</a:t>
             </a:r>
             <a:endParaRPr sz="2800" dirty="0">
               <a:solidFill>
@@ -9116,11 +8976,7 @@
             </a:pPr>
             <a:r>
               <a:rPr lang="en-US" altLang="zh-CN" sz="4400" dirty="0"/>
-              <a:t>Assembly </a:t>
-            </a:r>
-            <a:r>
-              <a:rPr lang="en-US" altLang="zh-CN" sz="4400" dirty="0" smtClean="0"/>
-              <a:t>Refresher</a:t>
+              <a:t>Assembly Refresher</a:t>
             </a:r>
             <a:r>
               <a:rPr lang="en-US" altLang="zh-CN" sz="2800" dirty="0">
@@ -9140,27 +8996,7 @@
                 <a:latin typeface="Arial"/>
                 <a:ea typeface="Arial"/>
               </a:rPr>
-              <a:t>x64 </a:t>
-            </a:r>
-            <a:r>
-              <a:rPr lang="en-US" sz="2800" dirty="0">
-                <a:solidFill>
-                  <a:srgbClr val="000000"/>
-                </a:solidFill>
-                <a:latin typeface="Arial"/>
-                <a:ea typeface="Arial"/>
-              </a:rPr>
-              <a:t>Assembly: A Quick </a:t>
-            </a:r>
-            <a:r>
-              <a:rPr lang="en-US" sz="2800" dirty="0">
-                <a:solidFill>
-                  <a:srgbClr val="000000"/>
-                </a:solidFill>
-                <a:latin typeface="Arial"/>
-                <a:ea typeface="Arial"/>
-              </a:rPr>
-              <a:t>Drill)</a:t>
+              <a:t>x64 Assembly: A Quick Drill)</a:t>
             </a:r>
             <a:endParaRPr sz="2800" dirty="0">
               <a:solidFill>
@@ -9675,28 +9511,12 @@
               <a:buNone/>
             </a:pPr>
             <a:r>
-              <a:rPr lang="en-US" altLang="zh-CN" sz="4400" dirty="0" smtClean="0">
+              <a:rPr lang="en-US" altLang="zh-CN" sz="4400" dirty="0">
                 <a:solidFill>
                   <a:srgbClr val="FFC000"/>
                 </a:solidFill>
               </a:rPr>
-              <a:t>1  Bomb </a:t>
-            </a:r>
-            <a:r>
-              <a:rPr lang="en-US" altLang="zh-CN" sz="4400" dirty="0">
-                <a:solidFill>
-                  <a:srgbClr val="FFC000"/>
-                </a:solidFill>
-              </a:rPr>
-              <a:t>Lab </a:t>
-            </a:r>
-            <a:r>
-              <a:rPr lang="en-US" altLang="zh-CN" sz="4400" dirty="0">
-                <a:solidFill>
-                  <a:srgbClr val="FFC000"/>
-                </a:solidFill>
-              </a:rPr>
-              <a:t>Overview</a:t>
+              <a:t>1  Bomb Lab Overview</a:t>
             </a:r>
           </a:p>
           <a:p>
@@ -9705,15 +9525,7 @@
             </a:pPr>
             <a:r>
               <a:rPr lang="en-US" altLang="zh-CN" sz="4400" dirty="0"/>
-              <a:t>2 </a:t>
-            </a:r>
-            <a:r>
-              <a:rPr lang="en-US" altLang="zh-CN" sz="4400" dirty="0" smtClean="0"/>
-              <a:t> Assembly </a:t>
-            </a:r>
-            <a:r>
-              <a:rPr lang="en-US" altLang="zh-CN" sz="4400" dirty="0"/>
-              <a:t>Refresher</a:t>
+              <a:t>2  Assembly Refresher</a:t>
             </a:r>
           </a:p>
           <a:p>
@@ -9722,19 +9534,7 @@
             </a:pPr>
             <a:r>
               <a:rPr lang="en-US" altLang="zh-CN" sz="4400" dirty="0"/>
-              <a:t>3 </a:t>
-            </a:r>
-            <a:r>
-              <a:rPr lang="en-US" altLang="zh-CN" sz="4400" dirty="0" smtClean="0"/>
-              <a:t> Introduction </a:t>
-            </a:r>
-            <a:r>
-              <a:rPr lang="en-US" altLang="zh-CN" sz="4400" dirty="0"/>
-              <a:t>to </a:t>
-            </a:r>
-            <a:r>
-              <a:rPr lang="en-US" altLang="zh-CN" sz="4400" dirty="0"/>
-              <a:t>GDB</a:t>
+              <a:t>3  Introduction to GDB</a:t>
             </a:r>
           </a:p>
           <a:p>
@@ -9743,15 +9543,7 @@
             </a:pPr>
             <a:r>
               <a:rPr lang="en-US" altLang="zh-CN" sz="4400" dirty="0"/>
-              <a:t>4 </a:t>
-            </a:r>
-            <a:r>
-              <a:rPr lang="en-US" altLang="zh-CN" sz="4400" dirty="0" smtClean="0"/>
-              <a:t> Unix </a:t>
-            </a:r>
-            <a:r>
-              <a:rPr lang="en-US" altLang="zh-CN" sz="4400" dirty="0"/>
-              <a:t>Refresher</a:t>
+              <a:t>4  Unix Refresher</a:t>
             </a:r>
           </a:p>
           <a:p>
@@ -9760,15 +9552,7 @@
             </a:pPr>
             <a:r>
               <a:rPr lang="en-US" altLang="zh-CN" sz="4400" dirty="0"/>
-              <a:t>5 </a:t>
-            </a:r>
-            <a:r>
-              <a:rPr lang="en-US" altLang="zh-CN" sz="4400" dirty="0" smtClean="0"/>
-              <a:t> Bomb </a:t>
-            </a:r>
-            <a:r>
-              <a:rPr lang="en-US" altLang="zh-CN" sz="4400" dirty="0"/>
-              <a:t>Lab Demo</a:t>
+              <a:t>5  Bomb Lab Demo</a:t>
             </a:r>
           </a:p>
           <a:p>
@@ -9795,13 +9579,6 @@
   <p:clrMapOvr>
     <a:masterClrMapping/>
   </p:clrMapOvr>
-  <p:timing>
-    <p:tnLst>
-      <p:par>
-        <p:cTn id="1" dur="indefinite" restart="never" nodeType="tmRoot"/>
-      </p:par>
-    </p:tnLst>
-  </p:timing>
 </p:sld>
 </file>
 
@@ -9848,16 +9625,8 @@
               <a:buNone/>
             </a:pPr>
             <a:r>
-              <a:rPr lang="en-US" altLang="zh-CN" sz="4400" dirty="0" smtClean="0"/>
-              <a:t>1  Bomb </a:t>
-            </a:r>
-            <a:r>
               <a:rPr lang="en-US" altLang="zh-CN" sz="4400" dirty="0"/>
-              <a:t>Lab </a:t>
-            </a:r>
-            <a:r>
-              <a:rPr lang="en-US" altLang="zh-CN" sz="4400" dirty="0"/>
-              <a:t>Overview</a:t>
+              <a:t>1  Bomb Lab Overview</a:t>
             </a:r>
           </a:p>
           <a:p>
@@ -9866,15 +9635,7 @@
             </a:pPr>
             <a:r>
               <a:rPr lang="en-US" altLang="zh-CN" sz="4400" dirty="0"/>
-              <a:t>2 </a:t>
-            </a:r>
-            <a:r>
-              <a:rPr lang="en-US" altLang="zh-CN" sz="4400" dirty="0" smtClean="0"/>
-              <a:t> Assembly </a:t>
-            </a:r>
-            <a:r>
-              <a:rPr lang="en-US" altLang="zh-CN" sz="4400" dirty="0"/>
-              <a:t>Refresher</a:t>
+              <a:t>2  Assembly Refresher</a:t>
             </a:r>
           </a:p>
           <a:p>
@@ -9887,31 +9648,7 @@
                   <a:srgbClr val="FFC000"/>
                 </a:solidFill>
               </a:rPr>
-              <a:t>3 </a:t>
-            </a:r>
-            <a:r>
-              <a:rPr lang="en-US" altLang="zh-CN" sz="4400" dirty="0" smtClean="0">
-                <a:solidFill>
-                  <a:srgbClr val="FFC000"/>
-                </a:solidFill>
-              </a:rPr>
-              <a:t> Introduction </a:t>
-            </a:r>
-            <a:r>
-              <a:rPr lang="en-US" altLang="zh-CN" sz="4400" dirty="0">
-                <a:solidFill>
-                  <a:srgbClr val="FFC000"/>
-                </a:solidFill>
-              </a:rPr>
-              <a:t>to </a:t>
-            </a:r>
-            <a:r>
-              <a:rPr lang="en-US" altLang="zh-CN" sz="4400" dirty="0">
-                <a:solidFill>
-                  <a:srgbClr val="FFC000"/>
-                </a:solidFill>
-              </a:rPr>
-              <a:t>GDB</a:t>
+              <a:t>3  Introduction to GDB</a:t>
             </a:r>
           </a:p>
           <a:p>
@@ -9920,15 +9657,7 @@
             </a:pPr>
             <a:r>
               <a:rPr lang="en-US" altLang="zh-CN" sz="4400" dirty="0"/>
-              <a:t>4 </a:t>
-            </a:r>
-            <a:r>
-              <a:rPr lang="en-US" altLang="zh-CN" sz="4400" dirty="0" smtClean="0"/>
-              <a:t> Unix </a:t>
-            </a:r>
-            <a:r>
-              <a:rPr lang="en-US" altLang="zh-CN" sz="4400" dirty="0"/>
-              <a:t>Refresher</a:t>
+              <a:t>4  Unix Refresher</a:t>
             </a:r>
           </a:p>
           <a:p>
@@ -9937,15 +9666,7 @@
             </a:pPr>
             <a:r>
               <a:rPr lang="en-US" altLang="zh-CN" sz="4400" dirty="0"/>
-              <a:t>5 </a:t>
-            </a:r>
-            <a:r>
-              <a:rPr lang="en-US" altLang="zh-CN" sz="4400" dirty="0" smtClean="0"/>
-              <a:t> Bomb </a:t>
-            </a:r>
-            <a:r>
-              <a:rPr lang="en-US" altLang="zh-CN" sz="4400" dirty="0"/>
-              <a:t>Lab Demo</a:t>
+              <a:t>5  Bomb Lab Demo</a:t>
             </a:r>
           </a:p>
           <a:p>
@@ -9972,13 +9693,6 @@
   <p:clrMapOvr>
     <a:masterClrMapping/>
   </p:clrMapOvr>
-  <p:timing>
-    <p:tnLst>
-      <p:par>
-        <p:cTn id="1" dur="indefinite" restart="never" nodeType="tmRoot"/>
-      </p:par>
-    </p:tnLst>
-  </p:timing>
 </p:sld>
 </file>
 
@@ -10038,7 +9752,6 @@
               <a:rPr lang="en-US" altLang="zh-CN" sz="4400" dirty="0"/>
               <a:t>Introduction to GDB</a:t>
             </a:r>
-            <a:endParaRPr lang="en-US" altLang="zh-CN" sz="4400" dirty="0"/>
           </a:p>
         </p:txBody>
       </p:sp>
@@ -10360,7 +10073,6 @@
               <a:rPr lang="en-US" altLang="zh-CN" sz="4400" dirty="0"/>
               <a:t>Introduction to GDB</a:t>
             </a:r>
-            <a:endParaRPr lang="en-US" altLang="zh-CN" sz="4400" dirty="0"/>
           </a:p>
         </p:txBody>
       </p:sp>
@@ -10580,11 +10292,7 @@
             </a:r>
             <a:r>
               <a:rPr lang="en-US" sz="2800" dirty="0"/>
-              <a:t> </a:t>
-            </a:r>
-            <a:r>
-              <a:rPr lang="en-US" sz="2800" dirty="0" smtClean="0"/>
-              <a:t>from</a:t>
+              <a:t> from</a:t>
             </a:r>
           </a:p>
           <a:p>
@@ -10592,7 +10300,7 @@
               <a:buSzPct val="45000"/>
             </a:pPr>
             <a:r>
-              <a:rPr lang="en-US" sz="2800" dirty="0" smtClean="0"/>
+              <a:rPr lang="en-US" sz="2800" dirty="0"/>
               <a:t> </a:t>
             </a:r>
             <a:r>
@@ -10700,16 +10408,8 @@
               <a:buNone/>
             </a:pPr>
             <a:r>
-              <a:rPr lang="en-US" altLang="zh-CN" sz="4400" dirty="0" smtClean="0"/>
-              <a:t>1  Bomb </a:t>
-            </a:r>
-            <a:r>
               <a:rPr lang="en-US" altLang="zh-CN" sz="4400" dirty="0"/>
-              <a:t>Lab </a:t>
-            </a:r>
-            <a:r>
-              <a:rPr lang="en-US" altLang="zh-CN" sz="4400" dirty="0"/>
-              <a:t>Overview</a:t>
+              <a:t>1  Bomb Lab Overview</a:t>
             </a:r>
           </a:p>
           <a:p>
@@ -10718,15 +10418,7 @@
             </a:pPr>
             <a:r>
               <a:rPr lang="en-US" altLang="zh-CN" sz="4400" dirty="0"/>
-              <a:t>2 </a:t>
-            </a:r>
-            <a:r>
-              <a:rPr lang="en-US" altLang="zh-CN" sz="4400" dirty="0" smtClean="0"/>
-              <a:t> Assembly </a:t>
-            </a:r>
-            <a:r>
-              <a:rPr lang="en-US" altLang="zh-CN" sz="4400" dirty="0"/>
-              <a:t>Refresher</a:t>
+              <a:t>2  Assembly Refresher</a:t>
             </a:r>
           </a:p>
           <a:p>
@@ -10735,19 +10427,7 @@
             </a:pPr>
             <a:r>
               <a:rPr lang="en-US" altLang="zh-CN" sz="4400" dirty="0"/>
-              <a:t>3 </a:t>
-            </a:r>
-            <a:r>
-              <a:rPr lang="en-US" altLang="zh-CN" sz="4400" dirty="0" smtClean="0"/>
-              <a:t> Introduction </a:t>
-            </a:r>
-            <a:r>
-              <a:rPr lang="en-US" altLang="zh-CN" sz="4400" dirty="0"/>
-              <a:t>to </a:t>
-            </a:r>
-            <a:r>
-              <a:rPr lang="en-US" altLang="zh-CN" sz="4400" dirty="0"/>
-              <a:t>GDB</a:t>
+              <a:t>3  Introduction to GDB</a:t>
             </a:r>
           </a:p>
           <a:p>
@@ -10760,23 +10440,7 @@
                   <a:srgbClr val="FFC000"/>
                 </a:solidFill>
               </a:rPr>
-              <a:t>4 </a:t>
-            </a:r>
-            <a:r>
-              <a:rPr lang="en-US" altLang="zh-CN" sz="4400" dirty="0" smtClean="0">
-                <a:solidFill>
-                  <a:srgbClr val="FFC000"/>
-                </a:solidFill>
-              </a:rPr>
-              <a:t> Unix </a:t>
-            </a:r>
-            <a:r>
-              <a:rPr lang="en-US" altLang="zh-CN" sz="4400" dirty="0">
-                <a:solidFill>
-                  <a:srgbClr val="FFC000"/>
-                </a:solidFill>
-              </a:rPr>
-              <a:t>Refresher</a:t>
+              <a:t>4  Unix Refresher</a:t>
             </a:r>
           </a:p>
           <a:p>
@@ -10785,15 +10449,7 @@
             </a:pPr>
             <a:r>
               <a:rPr lang="en-US" altLang="zh-CN" sz="4400" dirty="0"/>
-              <a:t>5 </a:t>
-            </a:r>
-            <a:r>
-              <a:rPr lang="en-US" altLang="zh-CN" sz="4400" dirty="0" smtClean="0"/>
-              <a:t> Bomb </a:t>
-            </a:r>
-            <a:r>
-              <a:rPr lang="en-US" altLang="zh-CN" sz="4400" dirty="0"/>
-              <a:t>Lab Demo</a:t>
+              <a:t>5  Bomb Lab Demo</a:t>
             </a:r>
           </a:p>
           <a:p>
@@ -10820,13 +10476,6 @@
   <p:clrMapOvr>
     <a:masterClrMapping/>
   </p:clrMapOvr>
-  <p:timing>
-    <p:tnLst>
-      <p:par>
-        <p:cTn id="1" dur="indefinite" restart="never" nodeType="tmRoot"/>
-      </p:par>
-    </p:tnLst>
-  </p:timing>
 </p:sld>
 </file>
 
@@ -11217,16 +10866,8 @@
               <a:buNone/>
             </a:pPr>
             <a:r>
-              <a:rPr lang="en-US" altLang="zh-CN" sz="4400" dirty="0" smtClean="0"/>
-              <a:t>1  Bomb </a:t>
-            </a:r>
-            <a:r>
               <a:rPr lang="en-US" altLang="zh-CN" sz="4400" dirty="0"/>
-              <a:t>Lab </a:t>
-            </a:r>
-            <a:r>
-              <a:rPr lang="en-US" altLang="zh-CN" sz="4400" dirty="0"/>
-              <a:t>Overview</a:t>
+              <a:t>1  Bomb Lab Overview</a:t>
             </a:r>
           </a:p>
           <a:p>
@@ -11235,15 +10876,7 @@
             </a:pPr>
             <a:r>
               <a:rPr lang="en-US" altLang="zh-CN" sz="4400" dirty="0"/>
-              <a:t>2 </a:t>
-            </a:r>
-            <a:r>
-              <a:rPr lang="en-US" altLang="zh-CN" sz="4400" dirty="0" smtClean="0"/>
-              <a:t> Assembly </a:t>
-            </a:r>
-            <a:r>
-              <a:rPr lang="en-US" altLang="zh-CN" sz="4400" dirty="0"/>
-              <a:t>Refresher</a:t>
+              <a:t>2  Assembly Refresher</a:t>
             </a:r>
           </a:p>
           <a:p>
@@ -11252,19 +10885,7 @@
             </a:pPr>
             <a:r>
               <a:rPr lang="en-US" altLang="zh-CN" sz="4400" dirty="0"/>
-              <a:t>3 </a:t>
-            </a:r>
-            <a:r>
-              <a:rPr lang="en-US" altLang="zh-CN" sz="4400" dirty="0" smtClean="0"/>
-              <a:t> Introduction </a:t>
-            </a:r>
-            <a:r>
-              <a:rPr lang="en-US" altLang="zh-CN" sz="4400" dirty="0"/>
-              <a:t>to </a:t>
-            </a:r>
-            <a:r>
-              <a:rPr lang="en-US" altLang="zh-CN" sz="4400" dirty="0"/>
-              <a:t>GDB</a:t>
+              <a:t>3  Introduction to GDB</a:t>
             </a:r>
           </a:p>
           <a:p>
@@ -11273,15 +10894,7 @@
             </a:pPr>
             <a:r>
               <a:rPr lang="en-US" altLang="zh-CN" sz="4400" dirty="0"/>
-              <a:t>4 </a:t>
-            </a:r>
-            <a:r>
-              <a:rPr lang="en-US" altLang="zh-CN" sz="4400" dirty="0" smtClean="0"/>
-              <a:t> Unix </a:t>
-            </a:r>
-            <a:r>
-              <a:rPr lang="en-US" altLang="zh-CN" sz="4400" dirty="0"/>
-              <a:t>Refresher</a:t>
+              <a:t>4  Unix Refresher</a:t>
             </a:r>
           </a:p>
           <a:p>
@@ -11294,23 +10907,7 @@
                   <a:srgbClr val="FFC000"/>
                 </a:solidFill>
               </a:rPr>
-              <a:t>5 </a:t>
-            </a:r>
-            <a:r>
-              <a:rPr lang="en-US" altLang="zh-CN" sz="4400" dirty="0" smtClean="0">
-                <a:solidFill>
-                  <a:srgbClr val="FFC000"/>
-                </a:solidFill>
-              </a:rPr>
-              <a:t> Bomb </a:t>
-            </a:r>
-            <a:r>
-              <a:rPr lang="en-US" altLang="zh-CN" sz="4400" dirty="0">
-                <a:solidFill>
-                  <a:srgbClr val="FFC000"/>
-                </a:solidFill>
-              </a:rPr>
-              <a:t>Lab Demo</a:t>
+              <a:t>5  Bomb Lab Demo</a:t>
             </a:r>
           </a:p>
           <a:p>
@@ -11337,13 +10934,6 @@
   <p:clrMapOvr>
     <a:masterClrMapping/>
   </p:clrMapOvr>
-  <p:timing>
-    <p:tnLst>
-      <p:par>
-        <p:cTn id="1" dur="indefinite" restart="never" nodeType="tmRoot"/>
-      </p:par>
-    </p:tnLst>
-  </p:timing>
 </p:sld>
 </file>
 
@@ -11412,17 +11002,7 @@
                 <a:latin typeface="Arial"/>
                 <a:ea typeface="Arial"/>
               </a:rPr>
-              <a:t>Bomb Lab </a:t>
-            </a:r>
-            <a:r>
-              <a:rPr lang="en-US" sz="4400" b="1" dirty="0" smtClean="0">
-                <a:solidFill>
-                  <a:srgbClr val="000000"/>
-                </a:solidFill>
-                <a:latin typeface="Arial"/>
-                <a:ea typeface="Arial"/>
-              </a:rPr>
-              <a:t>Demo</a:t>
+              <a:t>Bomb Lab Demo</a:t>
             </a:r>
             <a:endParaRPr sz="4400" dirty="0"/>
           </a:p>
@@ -11566,16 +11146,6 @@
                 <a:cs typeface="Consolas" panose="020B0609020204030204" pitchFamily="49" charset="0"/>
               </a:rPr>
             </a:br>
-            <a:r>
-              <a:rPr lang="en-IN" sz="1867" b="1" dirty="0">
-                <a:solidFill>
-                  <a:srgbClr val="63F828"/>
-                </a:solidFill>
-                <a:latin typeface="Consolas" panose="020B0609020204030204" pitchFamily="49" charset="0"/>
-                <a:cs typeface="Consolas" panose="020B0609020204030204" pitchFamily="49" charset="0"/>
-              </a:rPr>
-              <a:t/>
-            </a:r>
             <a:br>
               <a:rPr lang="en-IN" sz="1867" b="1" dirty="0">
                 <a:solidFill>
@@ -11801,16 +11371,6 @@
               </a:rPr>
               <a:t>esi</a:t>
             </a:r>
-            <a:r>
-              <a:rPr lang="en-IN" sz="1867" b="1" dirty="0">
-                <a:solidFill>
-                  <a:srgbClr val="63F828"/>
-                </a:solidFill>
-                <a:latin typeface="Consolas" panose="020B0609020204030204" pitchFamily="49" charset="0"/>
-                <a:cs typeface="Consolas" panose="020B0609020204030204" pitchFamily="49" charset="0"/>
-              </a:rPr>
-              <a:t/>
-            </a:r>
             <a:br>
               <a:rPr lang="en-IN" sz="1867" b="1" dirty="0">
                 <a:solidFill>
@@ -11880,16 +11440,6 @@
               </a:rPr>
               <a:t>esi</a:t>
             </a:r>
-            <a:r>
-              <a:rPr lang="en-IN" sz="1867" b="1" dirty="0">
-                <a:solidFill>
-                  <a:srgbClr val="63F828"/>
-                </a:solidFill>
-                <a:latin typeface="Consolas" panose="020B0609020204030204" pitchFamily="49" charset="0"/>
-                <a:cs typeface="Consolas" panose="020B0609020204030204" pitchFamily="49" charset="0"/>
-              </a:rPr>
-              <a:t/>
-            </a:r>
             <a:br>
               <a:rPr lang="en-IN" sz="1867" b="1" dirty="0">
                 <a:solidFill>
@@ -11978,16 +11528,6 @@
               </a:rPr>
               <a:t>si</a:t>
             </a:r>
-            <a:r>
-              <a:rPr lang="en-IN" sz="1867" b="1" dirty="0">
-                <a:solidFill>
-                  <a:srgbClr val="63F828"/>
-                </a:solidFill>
-                <a:latin typeface="Consolas" panose="020B0609020204030204" pitchFamily="49" charset="0"/>
-                <a:cs typeface="Consolas" panose="020B0609020204030204" pitchFamily="49" charset="0"/>
-              </a:rPr>
-              <a:t/>
-            </a:r>
             <a:br>
               <a:rPr lang="en-IN" sz="1867" b="1" dirty="0">
                 <a:solidFill>
@@ -12057,16 +11597,6 @@
               </a:rPr>
               <a:t>si</a:t>
             </a:r>
-            <a:r>
-              <a:rPr lang="en-IN" sz="1867" b="1" dirty="0">
-                <a:solidFill>
-                  <a:srgbClr val="63F828"/>
-                </a:solidFill>
-                <a:latin typeface="Consolas" panose="020B0609020204030204" pitchFamily="49" charset="0"/>
-                <a:cs typeface="Consolas" panose="020B0609020204030204" pitchFamily="49" charset="0"/>
-              </a:rPr>
-              <a:t/>
-            </a:r>
             <a:br>
               <a:rPr lang="en-IN" sz="1867" b="1" dirty="0">
                 <a:solidFill>
@@ -12175,16 +11705,6 @@
               </a:rPr>
               <a:t>eax</a:t>
             </a:r>
-            <a:r>
-              <a:rPr lang="en-IN" sz="1867" b="1" dirty="0">
-                <a:solidFill>
-                  <a:srgbClr val="63F828"/>
-                </a:solidFill>
-                <a:latin typeface="Consolas" panose="020B0609020204030204" pitchFamily="49" charset="0"/>
-                <a:cs typeface="Consolas" panose="020B0609020204030204" pitchFamily="49" charset="0"/>
-              </a:rPr>
-              <a:t/>
-            </a:r>
             <a:br>
               <a:rPr lang="en-IN" sz="1867" b="1" dirty="0">
                 <a:solidFill>
@@ -12223,14 +11743,6 @@
                 <a:cs typeface="Consolas" panose="020B0609020204030204" pitchFamily="49" charset="0"/>
               </a:rPr>
               <a:t> .L2</a:t>
-            </a:r>
-            <a:r>
-              <a:rPr lang="en-IN" sz="2400" dirty="0">
-                <a:solidFill>
-                  <a:srgbClr val="63F828"/>
-                </a:solidFill>
-              </a:rPr>
-              <a:t/>
             </a:r>
             <a:br>
               <a:rPr lang="en-IN" sz="2400" dirty="0">
@@ -12424,7 +11936,6 @@
               <a:rPr lang="en-IN" sz="4400" b="1" dirty="0"/>
               <a:t>Phase 1 Solution !!</a:t>
             </a:r>
-            <a:endParaRPr lang="en-IN" sz="4400" b="1" dirty="0"/>
           </a:p>
         </p:txBody>
       </p:sp>
@@ -12438,13 +11949,6 @@
   <p:clrMapOvr>
     <a:masterClrMapping/>
   </p:clrMapOvr>
-  <p:timing>
-    <p:tnLst>
-      <p:par>
-        <p:cTn id="1" dur="indefinite" restart="never" nodeType="tmRoot"/>
-      </p:par>
-    </p:tnLst>
-  </p:timing>
 </p:sld>
 </file>
 
@@ -12546,16 +12050,6 @@
                 <a:cs typeface="Consolas" panose="020B0609020204030204" pitchFamily="49" charset="0"/>
               </a:rPr>
             </a:br>
-            <a:r>
-              <a:rPr lang="en-IN" sz="1867" b="1" dirty="0">
-                <a:solidFill>
-                  <a:srgbClr val="63F828"/>
-                </a:solidFill>
-                <a:latin typeface="Consolas" panose="020B0609020204030204" pitchFamily="49" charset="0"/>
-                <a:cs typeface="Consolas" panose="020B0609020204030204" pitchFamily="49" charset="0"/>
-              </a:rPr>
-              <a:t/>
-            </a:r>
             <a:br>
               <a:rPr lang="en-IN" sz="1867" b="1" dirty="0">
                 <a:solidFill>
@@ -12781,16 +12275,6 @@
               </a:rPr>
               <a:t>esi</a:t>
             </a:r>
-            <a:r>
-              <a:rPr lang="en-IN" sz="1867" b="1" dirty="0">
-                <a:solidFill>
-                  <a:srgbClr val="63F828"/>
-                </a:solidFill>
-                <a:latin typeface="Consolas" panose="020B0609020204030204" pitchFamily="49" charset="0"/>
-                <a:cs typeface="Consolas" panose="020B0609020204030204" pitchFamily="49" charset="0"/>
-              </a:rPr>
-              <a:t/>
-            </a:r>
             <a:br>
               <a:rPr lang="en-IN" sz="1867" b="1" dirty="0">
                 <a:solidFill>
@@ -12860,16 +12344,6 @@
               </a:rPr>
               <a:t>esi</a:t>
             </a:r>
-            <a:r>
-              <a:rPr lang="en-IN" sz="1867" b="1" dirty="0">
-                <a:solidFill>
-                  <a:srgbClr val="63F828"/>
-                </a:solidFill>
-                <a:latin typeface="Consolas" panose="020B0609020204030204" pitchFamily="49" charset="0"/>
-                <a:cs typeface="Consolas" panose="020B0609020204030204" pitchFamily="49" charset="0"/>
-              </a:rPr>
-              <a:t/>
-            </a:r>
             <a:br>
               <a:rPr lang="en-IN" sz="1867" b="1" dirty="0">
                 <a:solidFill>
@@ -12958,16 +12432,6 @@
               </a:rPr>
               <a:t>si</a:t>
             </a:r>
-            <a:r>
-              <a:rPr lang="en-IN" sz="1867" b="1" dirty="0">
-                <a:solidFill>
-                  <a:srgbClr val="63F828"/>
-                </a:solidFill>
-                <a:latin typeface="Consolas" panose="020B0609020204030204" pitchFamily="49" charset="0"/>
-                <a:cs typeface="Consolas" panose="020B0609020204030204" pitchFamily="49" charset="0"/>
-              </a:rPr>
-              <a:t/>
-            </a:r>
             <a:br>
               <a:rPr lang="en-IN" sz="1867" b="1" dirty="0">
                 <a:solidFill>
@@ -13037,16 +12501,6 @@
               </a:rPr>
               <a:t>si</a:t>
             </a:r>
-            <a:r>
-              <a:rPr lang="en-IN" sz="1867" b="1" dirty="0">
-                <a:solidFill>
-                  <a:srgbClr val="63F828"/>
-                </a:solidFill>
-                <a:latin typeface="Consolas" panose="020B0609020204030204" pitchFamily="49" charset="0"/>
-                <a:cs typeface="Consolas" panose="020B0609020204030204" pitchFamily="49" charset="0"/>
-              </a:rPr>
-              <a:t/>
-            </a:r>
             <a:br>
               <a:rPr lang="en-IN" sz="1867" b="1" dirty="0">
                 <a:solidFill>
@@ -13155,16 +12609,6 @@
               </a:rPr>
               <a:t>eax</a:t>
             </a:r>
-            <a:r>
-              <a:rPr lang="en-IN" sz="1867" b="1" dirty="0">
-                <a:solidFill>
-                  <a:srgbClr val="63F828"/>
-                </a:solidFill>
-                <a:latin typeface="Consolas" panose="020B0609020204030204" pitchFamily="49" charset="0"/>
-                <a:cs typeface="Consolas" panose="020B0609020204030204" pitchFamily="49" charset="0"/>
-              </a:rPr>
-              <a:t/>
-            </a:r>
             <a:br>
               <a:rPr lang="en-IN" sz="1867" b="1" dirty="0">
                 <a:solidFill>
@@ -13203,14 +12647,6 @@
                 <a:cs typeface="Consolas" panose="020B0609020204030204" pitchFamily="49" charset="0"/>
               </a:rPr>
               <a:t> .L2</a:t>
-            </a:r>
-            <a:r>
-              <a:rPr lang="en-IN" sz="2400" dirty="0">
-                <a:solidFill>
-                  <a:srgbClr val="63F828"/>
-                </a:solidFill>
-              </a:rPr>
-              <a:t/>
             </a:r>
             <a:br>
               <a:rPr lang="en-IN" sz="2400" dirty="0">
@@ -13404,7 +12840,6 @@
               <a:rPr lang="en-IN" sz="4400" b="1" dirty="0"/>
               <a:t>Step 1 :</a:t>
             </a:r>
-            <a:endParaRPr lang="en-IN" sz="4400" b="1" dirty="0"/>
           </a:p>
         </p:txBody>
       </p:sp>
@@ -13472,14 +12907,6 @@
               </a:rPr>
               <a:t> </a:t>
             </a:r>
-            <a:r>
-              <a:rPr lang="en-IN" sz="2400" dirty="0">
-                <a:solidFill>
-                  <a:srgbClr val="63F828"/>
-                </a:solidFill>
-              </a:rPr>
-              <a:t/>
-            </a:r>
             <a:br>
               <a:rPr lang="en-IN" sz="2400" dirty="0">
                 <a:solidFill>
@@ -13505,13 +12932,6 @@
   <p:clrMapOvr>
     <a:masterClrMapping/>
   </p:clrMapOvr>
-  <p:timing>
-    <p:tnLst>
-      <p:par>
-        <p:cTn id="1" dur="indefinite" restart="never" nodeType="tmRoot"/>
-      </p:par>
-    </p:tnLst>
-  </p:timing>
 </p:sld>
 </file>
 
@@ -13613,16 +13033,6 @@
                 <a:cs typeface="Consolas" panose="020B0609020204030204" pitchFamily="49" charset="0"/>
               </a:rPr>
             </a:br>
-            <a:r>
-              <a:rPr lang="en-IN" sz="1867" b="1" dirty="0">
-                <a:solidFill>
-                  <a:srgbClr val="63F828"/>
-                </a:solidFill>
-                <a:latin typeface="Consolas" panose="020B0609020204030204" pitchFamily="49" charset="0"/>
-                <a:cs typeface="Consolas" panose="020B0609020204030204" pitchFamily="49" charset="0"/>
-              </a:rPr>
-              <a:t/>
-            </a:r>
             <a:br>
               <a:rPr lang="en-IN" sz="1867" b="1" dirty="0">
                 <a:solidFill>
@@ -13848,16 +13258,6 @@
               </a:rPr>
               <a:t>esi</a:t>
             </a:r>
-            <a:r>
-              <a:rPr lang="en-IN" sz="1867" b="1" dirty="0">
-                <a:solidFill>
-                  <a:srgbClr val="63F828"/>
-                </a:solidFill>
-                <a:latin typeface="Consolas" panose="020B0609020204030204" pitchFamily="49" charset="0"/>
-                <a:cs typeface="Consolas" panose="020B0609020204030204" pitchFamily="49" charset="0"/>
-              </a:rPr>
-              <a:t/>
-            </a:r>
             <a:br>
               <a:rPr lang="en-IN" sz="1867" b="1" dirty="0">
                 <a:solidFill>
@@ -13927,16 +13327,6 @@
               </a:rPr>
               <a:t>esi</a:t>
             </a:r>
-            <a:r>
-              <a:rPr lang="en-IN" sz="1867" b="1" dirty="0">
-                <a:solidFill>
-                  <a:srgbClr val="63F828"/>
-                </a:solidFill>
-                <a:latin typeface="Consolas" panose="020B0609020204030204" pitchFamily="49" charset="0"/>
-                <a:cs typeface="Consolas" panose="020B0609020204030204" pitchFamily="49" charset="0"/>
-              </a:rPr>
-              <a:t/>
-            </a:r>
             <a:br>
               <a:rPr lang="en-IN" sz="1867" b="1" dirty="0">
                 <a:solidFill>
@@ -14025,16 +13415,6 @@
               </a:rPr>
               <a:t>si</a:t>
             </a:r>
-            <a:r>
-              <a:rPr lang="en-IN" sz="1867" b="1" dirty="0">
-                <a:solidFill>
-                  <a:srgbClr val="63F828"/>
-                </a:solidFill>
-                <a:latin typeface="Consolas" panose="020B0609020204030204" pitchFamily="49" charset="0"/>
-                <a:cs typeface="Consolas" panose="020B0609020204030204" pitchFamily="49" charset="0"/>
-              </a:rPr>
-              <a:t/>
-            </a:r>
             <a:br>
               <a:rPr lang="en-IN" sz="1867" b="1" dirty="0">
                 <a:solidFill>
@@ -14104,16 +13484,6 @@
               </a:rPr>
               <a:t>si</a:t>
             </a:r>
-            <a:r>
-              <a:rPr lang="en-IN" sz="1867" b="1" dirty="0">
-                <a:solidFill>
-                  <a:srgbClr val="63F828"/>
-                </a:solidFill>
-                <a:latin typeface="Consolas" panose="020B0609020204030204" pitchFamily="49" charset="0"/>
-                <a:cs typeface="Consolas" panose="020B0609020204030204" pitchFamily="49" charset="0"/>
-              </a:rPr>
-              <a:t/>
-            </a:r>
             <a:br>
               <a:rPr lang="en-IN" sz="1867" b="1" dirty="0">
                 <a:solidFill>
@@ -14222,16 +13592,6 @@
               </a:rPr>
               <a:t>eax</a:t>
             </a:r>
-            <a:r>
-              <a:rPr lang="en-IN" sz="1867" b="1" dirty="0">
-                <a:solidFill>
-                  <a:srgbClr val="63F828"/>
-                </a:solidFill>
-                <a:latin typeface="Consolas" panose="020B0609020204030204" pitchFamily="49" charset="0"/>
-                <a:cs typeface="Consolas" panose="020B0609020204030204" pitchFamily="49" charset="0"/>
-              </a:rPr>
-              <a:t/>
-            </a:r>
             <a:br>
               <a:rPr lang="en-IN" sz="1867" b="1" dirty="0">
                 <a:solidFill>
@@ -14270,14 +13630,6 @@
                 <a:cs typeface="Consolas" panose="020B0609020204030204" pitchFamily="49" charset="0"/>
               </a:rPr>
               <a:t> .L2</a:t>
-            </a:r>
-            <a:r>
-              <a:rPr lang="en-IN" sz="2400" dirty="0">
-                <a:solidFill>
-                  <a:srgbClr val="63F828"/>
-                </a:solidFill>
-              </a:rPr>
-              <a:t/>
             </a:r>
             <a:br>
               <a:rPr lang="en-IN" sz="2400" dirty="0">
@@ -14471,7 +13823,6 @@
               <a:rPr lang="en-IN" sz="4400" b="1" dirty="0"/>
               <a:t>Step 2 :</a:t>
             </a:r>
-            <a:endParaRPr lang="en-IN" sz="4400" b="1" dirty="0"/>
           </a:p>
         </p:txBody>
       </p:sp>
@@ -14538,14 +13889,6 @@
                 <a:cs typeface="Consolas" panose="020B0609020204030204" pitchFamily="49" charset="0"/>
               </a:rPr>
               <a:t> </a:t>
-            </a:r>
-            <a:r>
-              <a:rPr lang="en-IN" sz="2400" dirty="0">
-                <a:solidFill>
-                  <a:srgbClr val="63F828"/>
-                </a:solidFill>
-              </a:rPr>
-              <a:t/>
             </a:r>
             <a:br>
               <a:rPr lang="en-IN" sz="2400" dirty="0">
@@ -14626,9 +13969,6 @@
               </a:rPr>
               <a:t>Size of string entered must be 8</a:t>
             </a:r>
-            <a:endParaRPr lang="en-IN" sz="2133" dirty="0">
-              <a:latin typeface="Comic Sans MS" panose="030F0702030302020204" pitchFamily="66" charset="0"/>
-            </a:endParaRPr>
           </a:p>
         </p:txBody>
       </p:sp>
@@ -14642,13 +13982,6 @@
   <p:clrMapOvr>
     <a:masterClrMapping/>
   </p:clrMapOvr>
-  <p:timing>
-    <p:tnLst>
-      <p:par>
-        <p:cTn id="1" dur="indefinite" restart="never" nodeType="tmRoot"/>
-      </p:par>
-    </p:tnLst>
-  </p:timing>
 </p:sld>
 </file>
 
@@ -14685,22 +14018,13 @@
           <a:lstStyle/>
           <a:p>
             <a:r>
-              <a:rPr lang="en-US" altLang="zh-CN" dirty="0" smtClean="0"/>
-              <a:t>Bomb </a:t>
-            </a:r>
-            <a:r>
               <a:rPr lang="en-US" altLang="zh-CN" dirty="0"/>
-              <a:t>Lab </a:t>
-            </a:r>
-            <a:r>
-              <a:rPr lang="en-US" altLang="zh-CN" dirty="0" smtClean="0"/>
-              <a:t>Overview</a:t>
-            </a:r>
-            <a:r>
-              <a:rPr lang="en-US" altLang="zh-CN" sz="2800" dirty="0" smtClean="0"/>
+              <a:t>Bomb Lab Overview</a:t>
+            </a:r>
+            <a:r>
+              <a:rPr lang="en-US" altLang="zh-CN" sz="2800" dirty="0"/>
               <a:t>(what)</a:t>
             </a:r>
-            <a:endParaRPr lang="en-US" altLang="zh-CN" sz="2800" dirty="0"/>
           </a:p>
         </p:txBody>
       </p:sp>
@@ -14730,56 +14054,24 @@
               <a:buNone/>
             </a:pPr>
             <a:r>
-              <a:rPr lang="en-US" altLang="zh-CN" dirty="0" smtClean="0"/>
-              <a:t>A </a:t>
-            </a:r>
-            <a:r>
               <a:rPr lang="en-US" altLang="zh-CN" dirty="0"/>
-              <a:t>binary bomb is </a:t>
-            </a:r>
-            <a:r>
-              <a:rPr lang="en-US" altLang="zh-CN" dirty="0" smtClean="0"/>
-              <a:t>a program </a:t>
+              <a:t>A binary bomb is a program that consists of a sequence of phases(</a:t>
+            </a:r>
+            <a:r>
+              <a:rPr lang="en-US" altLang="zh-CN" u="sng" dirty="0"/>
+              <a:t>six phases</a:t>
             </a:r>
             <a:r>
               <a:rPr lang="en-US" altLang="zh-CN" dirty="0"/>
-              <a:t>that consists of a sequence of </a:t>
+              <a:t>). Each phase expects you to type a particular string on </a:t>
+            </a:r>
+            <a:r>
+              <a:rPr lang="en-US" altLang="zh-CN" dirty="0" err="1"/>
+              <a:t>stdin.If</a:t>
             </a:r>
             <a:r>
               <a:rPr lang="en-US" altLang="zh-CN" dirty="0"/>
-              <a:t>phases(</a:t>
-            </a:r>
-            <a:r>
-              <a:rPr lang="en-US" altLang="zh-CN" u="sng" dirty="0"/>
-              <a:t>six </a:t>
-            </a:r>
-            <a:r>
-              <a:rPr lang="en-US" altLang="zh-CN" u="sng" dirty="0"/>
-              <a:t>phases</a:t>
-            </a:r>
-            <a:r>
-              <a:rPr lang="en-US" altLang="zh-CN" dirty="0"/>
-              <a:t>). </a:t>
-            </a:r>
-            <a:r>
-              <a:rPr lang="en-US" altLang="zh-CN" dirty="0"/>
-              <a:t>Each </a:t>
-            </a:r>
-            <a:r>
-              <a:rPr lang="en-US" altLang="zh-CN" dirty="0"/>
-              <a:t>phase expects you to type a particular string on </a:t>
-            </a:r>
-            <a:r>
-              <a:rPr lang="en-US" altLang="zh-CN" dirty="0" err="1" smtClean="0"/>
-              <a:t>stdin.If</a:t>
-            </a:r>
-            <a:r>
-              <a:rPr lang="en-US" altLang="zh-CN" dirty="0" smtClean="0"/>
-              <a:t> </a:t>
-            </a:r>
-            <a:r>
-              <a:rPr lang="en-US" altLang="zh-CN" dirty="0"/>
-              <a:t>you </a:t>
+              <a:t> you </a:t>
             </a:r>
             <a:r>
               <a:rPr lang="en-US" altLang="zh-CN" u="sng" dirty="0"/>
@@ -14798,16 +14090,12 @@
               <a:t>and the bomb proceeds to the next phase. </a:t>
             </a:r>
             <a:r>
-              <a:rPr lang="en-US" altLang="zh-CN" dirty="0" err="1" smtClean="0"/>
+              <a:rPr lang="en-US" altLang="zh-CN" dirty="0" err="1"/>
               <a:t>Otherwise,the</a:t>
             </a:r>
             <a:r>
-              <a:rPr lang="en-US" altLang="zh-CN" dirty="0" smtClean="0"/>
-              <a:t> </a:t>
-            </a:r>
-            <a:r>
               <a:rPr lang="en-US" altLang="zh-CN" dirty="0"/>
-              <a:t>bomb </a:t>
+              <a:t> bomb </a:t>
             </a:r>
             <a:r>
               <a:rPr lang="en-US" altLang="zh-CN" i="1" dirty="0"/>
@@ -14815,19 +14103,7 @@
             </a:r>
             <a:r>
               <a:rPr lang="en-US" altLang="zh-CN" dirty="0"/>
-              <a:t>by printing "BOOM!!!" and then terminating. The bomb is defused when every </a:t>
-            </a:r>
-            <a:r>
-              <a:rPr lang="en-US" altLang="zh-CN" dirty="0" smtClean="0"/>
-              <a:t>phase has </a:t>
-            </a:r>
-            <a:r>
-              <a:rPr lang="en-US" altLang="zh-CN" dirty="0"/>
-              <a:t>been defused</a:t>
-            </a:r>
-            <a:r>
-              <a:rPr lang="en-US" altLang="zh-CN" dirty="0" smtClean="0"/>
-              <a:t>.</a:t>
+              <a:t>by printing "BOOM!!!" and then terminating. The bomb is defused when every phase has been defused.</a:t>
             </a:r>
           </a:p>
           <a:p>
@@ -14857,13 +14133,6 @@
   <p:clrMapOvr>
     <a:masterClrMapping/>
   </p:clrMapOvr>
-  <p:timing>
-    <p:tnLst>
-      <p:par>
-        <p:cTn id="1" dur="indefinite" restart="never" nodeType="tmRoot"/>
-      </p:par>
-    </p:tnLst>
-  </p:timing>
 </p:sld>
 </file>
 
@@ -14965,16 +14234,6 @@
                 <a:cs typeface="Consolas" panose="020B0609020204030204" pitchFamily="49" charset="0"/>
               </a:rPr>
             </a:br>
-            <a:r>
-              <a:rPr lang="en-IN" sz="1867" b="1" dirty="0">
-                <a:solidFill>
-                  <a:srgbClr val="63F828"/>
-                </a:solidFill>
-                <a:latin typeface="Consolas" panose="020B0609020204030204" pitchFamily="49" charset="0"/>
-                <a:cs typeface="Consolas" panose="020B0609020204030204" pitchFamily="49" charset="0"/>
-              </a:rPr>
-              <a:t/>
-            </a:r>
             <a:br>
               <a:rPr lang="en-IN" sz="1867" b="1" dirty="0">
                 <a:solidFill>
@@ -15200,16 +14459,6 @@
               </a:rPr>
               <a:t>esi</a:t>
             </a:r>
-            <a:r>
-              <a:rPr lang="en-IN" sz="1867" b="1" dirty="0">
-                <a:solidFill>
-                  <a:srgbClr val="63F828"/>
-                </a:solidFill>
-                <a:latin typeface="Consolas" panose="020B0609020204030204" pitchFamily="49" charset="0"/>
-                <a:cs typeface="Consolas" panose="020B0609020204030204" pitchFamily="49" charset="0"/>
-              </a:rPr>
-              <a:t/>
-            </a:r>
             <a:br>
               <a:rPr lang="en-IN" sz="1867" b="1" dirty="0">
                 <a:solidFill>
@@ -15279,16 +14528,6 @@
               </a:rPr>
               <a:t>esi</a:t>
             </a:r>
-            <a:r>
-              <a:rPr lang="en-IN" sz="1867" b="1" dirty="0">
-                <a:solidFill>
-                  <a:srgbClr val="63F828"/>
-                </a:solidFill>
-                <a:latin typeface="Consolas" panose="020B0609020204030204" pitchFamily="49" charset="0"/>
-                <a:cs typeface="Consolas" panose="020B0609020204030204" pitchFamily="49" charset="0"/>
-              </a:rPr>
-              <a:t/>
-            </a:r>
             <a:br>
               <a:rPr lang="en-IN" sz="1867" b="1" dirty="0">
                 <a:solidFill>
@@ -15377,16 +14616,6 @@
               </a:rPr>
               <a:t>si</a:t>
             </a:r>
-            <a:r>
-              <a:rPr lang="en-IN" sz="1867" b="1" dirty="0">
-                <a:solidFill>
-                  <a:srgbClr val="63F828"/>
-                </a:solidFill>
-                <a:latin typeface="Consolas" panose="020B0609020204030204" pitchFamily="49" charset="0"/>
-                <a:cs typeface="Consolas" panose="020B0609020204030204" pitchFamily="49" charset="0"/>
-              </a:rPr>
-              <a:t/>
-            </a:r>
             <a:br>
               <a:rPr lang="en-IN" sz="1867" b="1" dirty="0">
                 <a:solidFill>
@@ -15456,16 +14685,6 @@
               </a:rPr>
               <a:t>si</a:t>
             </a:r>
-            <a:r>
-              <a:rPr lang="en-IN" sz="1867" b="1" dirty="0">
-                <a:solidFill>
-                  <a:srgbClr val="63F828"/>
-                </a:solidFill>
-                <a:latin typeface="Consolas" panose="020B0609020204030204" pitchFamily="49" charset="0"/>
-                <a:cs typeface="Consolas" panose="020B0609020204030204" pitchFamily="49" charset="0"/>
-              </a:rPr>
-              <a:t/>
-            </a:r>
             <a:br>
               <a:rPr lang="en-IN" sz="1867" b="1" dirty="0">
                 <a:solidFill>
@@ -15574,16 +14793,6 @@
               </a:rPr>
               <a:t>eax</a:t>
             </a:r>
-            <a:r>
-              <a:rPr lang="en-IN" sz="1867" b="1" dirty="0">
-                <a:solidFill>
-                  <a:srgbClr val="63F828"/>
-                </a:solidFill>
-                <a:latin typeface="Consolas" panose="020B0609020204030204" pitchFamily="49" charset="0"/>
-                <a:cs typeface="Consolas" panose="020B0609020204030204" pitchFamily="49" charset="0"/>
-              </a:rPr>
-              <a:t/>
-            </a:r>
             <a:br>
               <a:rPr lang="en-IN" sz="1867" b="1" dirty="0">
                 <a:solidFill>
@@ -15622,14 +14831,6 @@
                 <a:cs typeface="Consolas" panose="020B0609020204030204" pitchFamily="49" charset="0"/>
               </a:rPr>
               <a:t> .L2</a:t>
-            </a:r>
-            <a:r>
-              <a:rPr lang="en-IN" sz="2400" dirty="0">
-                <a:solidFill>
-                  <a:srgbClr val="63F828"/>
-                </a:solidFill>
-              </a:rPr>
-              <a:t/>
             </a:r>
             <a:br>
               <a:rPr lang="en-IN" sz="2400" dirty="0">
@@ -15823,7 +15024,6 @@
               <a:rPr lang="en-IN" sz="4400" b="1" dirty="0"/>
               <a:t>Step 3 :</a:t>
             </a:r>
-            <a:endParaRPr lang="en-IN" sz="4400" b="1" dirty="0"/>
           </a:p>
         </p:txBody>
       </p:sp>
@@ -15890,14 +15090,6 @@
                 <a:cs typeface="Consolas" panose="020B0609020204030204" pitchFamily="49" charset="0"/>
               </a:rPr>
               <a:t> </a:t>
-            </a:r>
-            <a:r>
-              <a:rPr lang="en-IN" sz="2400" dirty="0">
-                <a:solidFill>
-                  <a:srgbClr val="63F828"/>
-                </a:solidFill>
-              </a:rPr>
-              <a:t/>
             </a:r>
             <a:br>
               <a:rPr lang="en-IN" sz="2400" dirty="0">
@@ -15980,9 +15172,6 @@
               </a:rPr>
               <a:t>First 4 letters of the string must be equal to last 4 letters.</a:t>
             </a:r>
-            <a:endParaRPr lang="en-IN" sz="2133" dirty="0">
-              <a:latin typeface="Comic Sans MS" panose="030F0702030302020204" pitchFamily="66" charset="0"/>
-            </a:endParaRPr>
           </a:p>
         </p:txBody>
       </p:sp>
@@ -16039,13 +15228,6 @@
   <p:clrMapOvr>
     <a:masterClrMapping/>
   </p:clrMapOvr>
-  <p:timing>
-    <p:tnLst>
-      <p:par>
-        <p:cTn id="1" dur="indefinite" restart="never" nodeType="tmRoot"/>
-      </p:par>
-    </p:tnLst>
-  </p:timing>
 </p:sld>
 </file>
 
@@ -16147,16 +15329,6 @@
                 <a:cs typeface="Consolas" panose="020B0609020204030204" pitchFamily="49" charset="0"/>
               </a:rPr>
             </a:br>
-            <a:r>
-              <a:rPr lang="en-IN" sz="1867" b="1" dirty="0">
-                <a:solidFill>
-                  <a:srgbClr val="63F828"/>
-                </a:solidFill>
-                <a:latin typeface="Consolas" panose="020B0609020204030204" pitchFamily="49" charset="0"/>
-                <a:cs typeface="Consolas" panose="020B0609020204030204" pitchFamily="49" charset="0"/>
-              </a:rPr>
-              <a:t/>
-            </a:r>
             <a:br>
               <a:rPr lang="en-IN" sz="1867" b="1" dirty="0">
                 <a:solidFill>
@@ -16382,16 +15554,6 @@
               </a:rPr>
               <a:t>esi</a:t>
             </a:r>
-            <a:r>
-              <a:rPr lang="en-IN" sz="1867" b="1" dirty="0">
-                <a:solidFill>
-                  <a:srgbClr val="63F828"/>
-                </a:solidFill>
-                <a:latin typeface="Consolas" panose="020B0609020204030204" pitchFamily="49" charset="0"/>
-                <a:cs typeface="Consolas" panose="020B0609020204030204" pitchFamily="49" charset="0"/>
-              </a:rPr>
-              <a:t/>
-            </a:r>
             <a:br>
               <a:rPr lang="en-IN" sz="1867" b="1" dirty="0">
                 <a:solidFill>
@@ -16461,16 +15623,6 @@
               </a:rPr>
               <a:t>esi</a:t>
             </a:r>
-            <a:r>
-              <a:rPr lang="en-IN" sz="1867" b="1" dirty="0">
-                <a:solidFill>
-                  <a:srgbClr val="63F828"/>
-                </a:solidFill>
-                <a:latin typeface="Consolas" panose="020B0609020204030204" pitchFamily="49" charset="0"/>
-                <a:cs typeface="Consolas" panose="020B0609020204030204" pitchFamily="49" charset="0"/>
-              </a:rPr>
-              <a:t/>
-            </a:r>
             <a:br>
               <a:rPr lang="en-IN" sz="1867" b="1" dirty="0">
                 <a:solidFill>
@@ -16559,16 +15711,6 @@
               </a:rPr>
               <a:t>si</a:t>
             </a:r>
-            <a:r>
-              <a:rPr lang="en-IN" sz="1867" b="1" dirty="0">
-                <a:solidFill>
-                  <a:srgbClr val="63F828"/>
-                </a:solidFill>
-                <a:latin typeface="Consolas" panose="020B0609020204030204" pitchFamily="49" charset="0"/>
-                <a:cs typeface="Consolas" panose="020B0609020204030204" pitchFamily="49" charset="0"/>
-              </a:rPr>
-              <a:t/>
-            </a:r>
             <a:br>
               <a:rPr lang="en-IN" sz="1867" b="1" dirty="0">
                 <a:solidFill>
@@ -16638,16 +15780,6 @@
               </a:rPr>
               <a:t>si</a:t>
             </a:r>
-            <a:r>
-              <a:rPr lang="en-IN" sz="1867" b="1" dirty="0">
-                <a:solidFill>
-                  <a:srgbClr val="63F828"/>
-                </a:solidFill>
-                <a:latin typeface="Consolas" panose="020B0609020204030204" pitchFamily="49" charset="0"/>
-                <a:cs typeface="Consolas" panose="020B0609020204030204" pitchFamily="49" charset="0"/>
-              </a:rPr>
-              <a:t/>
-            </a:r>
             <a:br>
               <a:rPr lang="en-IN" sz="1867" b="1" dirty="0">
                 <a:solidFill>
@@ -16756,16 +15888,6 @@
               </a:rPr>
               <a:t>eax</a:t>
             </a:r>
-            <a:r>
-              <a:rPr lang="en-IN" sz="1867" b="1" dirty="0">
-                <a:solidFill>
-                  <a:srgbClr val="63F828"/>
-                </a:solidFill>
-                <a:latin typeface="Consolas" panose="020B0609020204030204" pitchFamily="49" charset="0"/>
-                <a:cs typeface="Consolas" panose="020B0609020204030204" pitchFamily="49" charset="0"/>
-              </a:rPr>
-              <a:t/>
-            </a:r>
             <a:br>
               <a:rPr lang="en-IN" sz="1867" b="1" dirty="0">
                 <a:solidFill>
@@ -16804,14 +15926,6 @@
                 <a:cs typeface="Consolas" panose="020B0609020204030204" pitchFamily="49" charset="0"/>
               </a:rPr>
               <a:t> .L2</a:t>
-            </a:r>
-            <a:r>
-              <a:rPr lang="en-IN" sz="2400" dirty="0">
-                <a:solidFill>
-                  <a:srgbClr val="63F828"/>
-                </a:solidFill>
-              </a:rPr>
-              <a:t/>
             </a:r>
             <a:br>
               <a:rPr lang="en-IN" sz="2400" dirty="0">
@@ -17005,7 +16119,6 @@
               <a:rPr lang="en-IN" sz="4400" b="1" dirty="0"/>
               <a:t>Step 3 :</a:t>
             </a:r>
-            <a:endParaRPr lang="en-IN" sz="4400" b="1" dirty="0"/>
           </a:p>
         </p:txBody>
       </p:sp>
@@ -17072,14 +16185,6 @@
                 <a:cs typeface="Consolas" panose="020B0609020204030204" pitchFamily="49" charset="0"/>
               </a:rPr>
               <a:t> </a:t>
-            </a:r>
-            <a:r>
-              <a:rPr lang="en-IN" sz="2400" dirty="0">
-                <a:solidFill>
-                  <a:srgbClr val="63F828"/>
-                </a:solidFill>
-              </a:rPr>
-              <a:t/>
             </a:r>
             <a:br>
               <a:rPr lang="en-IN" sz="2400" dirty="0">
@@ -17216,13 +16321,6 @@
   <p:clrMapOvr>
     <a:masterClrMapping/>
   </p:clrMapOvr>
-  <p:timing>
-    <p:tnLst>
-      <p:par>
-        <p:cTn id="1" dur="indefinite" restart="never" nodeType="tmRoot"/>
-      </p:par>
-    </p:tnLst>
-  </p:timing>
 </p:sld>
 </file>
 
@@ -17324,16 +16422,6 @@
                 <a:cs typeface="Consolas" panose="020B0609020204030204" pitchFamily="49" charset="0"/>
               </a:rPr>
             </a:br>
-            <a:r>
-              <a:rPr lang="en-IN" sz="1867" b="1" dirty="0">
-                <a:solidFill>
-                  <a:srgbClr val="63F828"/>
-                </a:solidFill>
-                <a:latin typeface="Consolas" panose="020B0609020204030204" pitchFamily="49" charset="0"/>
-                <a:cs typeface="Consolas" panose="020B0609020204030204" pitchFamily="49" charset="0"/>
-              </a:rPr>
-              <a:t/>
-            </a:r>
             <a:br>
               <a:rPr lang="en-IN" sz="1867" b="1" dirty="0">
                 <a:solidFill>
@@ -17559,16 +16647,6 @@
               </a:rPr>
               <a:t>esi</a:t>
             </a:r>
-            <a:r>
-              <a:rPr lang="en-IN" sz="1867" b="1" dirty="0">
-                <a:solidFill>
-                  <a:srgbClr val="63F828"/>
-                </a:solidFill>
-                <a:latin typeface="Consolas" panose="020B0609020204030204" pitchFamily="49" charset="0"/>
-                <a:cs typeface="Consolas" panose="020B0609020204030204" pitchFamily="49" charset="0"/>
-              </a:rPr>
-              <a:t/>
-            </a:r>
             <a:br>
               <a:rPr lang="en-IN" sz="1867" b="1" dirty="0">
                 <a:solidFill>
@@ -17638,16 +16716,6 @@
               </a:rPr>
               <a:t>esi</a:t>
             </a:r>
-            <a:r>
-              <a:rPr lang="en-IN" sz="1867" b="1" dirty="0">
-                <a:solidFill>
-                  <a:srgbClr val="63F828"/>
-                </a:solidFill>
-                <a:latin typeface="Consolas" panose="020B0609020204030204" pitchFamily="49" charset="0"/>
-                <a:cs typeface="Consolas" panose="020B0609020204030204" pitchFamily="49" charset="0"/>
-              </a:rPr>
-              <a:t/>
-            </a:r>
             <a:br>
               <a:rPr lang="en-IN" sz="1867" b="1" dirty="0">
                 <a:solidFill>
@@ -17736,16 +16804,6 @@
               </a:rPr>
               <a:t>si</a:t>
             </a:r>
-            <a:r>
-              <a:rPr lang="en-IN" sz="1867" b="1" dirty="0">
-                <a:solidFill>
-                  <a:srgbClr val="63F828"/>
-                </a:solidFill>
-                <a:latin typeface="Consolas" panose="020B0609020204030204" pitchFamily="49" charset="0"/>
-                <a:cs typeface="Consolas" panose="020B0609020204030204" pitchFamily="49" charset="0"/>
-              </a:rPr>
-              <a:t/>
-            </a:r>
             <a:br>
               <a:rPr lang="en-IN" sz="1867" b="1" dirty="0">
                 <a:solidFill>
@@ -17815,16 +16873,6 @@
               </a:rPr>
               <a:t>si</a:t>
             </a:r>
-            <a:r>
-              <a:rPr lang="en-IN" sz="1867" b="1" dirty="0">
-                <a:solidFill>
-                  <a:srgbClr val="63F828"/>
-                </a:solidFill>
-                <a:latin typeface="Consolas" panose="020B0609020204030204" pitchFamily="49" charset="0"/>
-                <a:cs typeface="Consolas" panose="020B0609020204030204" pitchFamily="49" charset="0"/>
-              </a:rPr>
-              <a:t/>
-            </a:r>
             <a:br>
               <a:rPr lang="en-IN" sz="1867" b="1" dirty="0">
                 <a:solidFill>
@@ -17933,16 +16981,6 @@
               </a:rPr>
               <a:t>eax</a:t>
             </a:r>
-            <a:r>
-              <a:rPr lang="en-IN" sz="1867" b="1" dirty="0">
-                <a:solidFill>
-                  <a:srgbClr val="63F828"/>
-                </a:solidFill>
-                <a:latin typeface="Consolas" panose="020B0609020204030204" pitchFamily="49" charset="0"/>
-                <a:cs typeface="Consolas" panose="020B0609020204030204" pitchFamily="49" charset="0"/>
-              </a:rPr>
-              <a:t/>
-            </a:r>
             <a:br>
               <a:rPr lang="en-IN" sz="1867" b="1" dirty="0">
                 <a:solidFill>
@@ -17981,14 +17019,6 @@
                 <a:cs typeface="Consolas" panose="020B0609020204030204" pitchFamily="49" charset="0"/>
               </a:rPr>
               <a:t> .L2</a:t>
-            </a:r>
-            <a:r>
-              <a:rPr lang="en-IN" sz="2400" dirty="0">
-                <a:solidFill>
-                  <a:srgbClr val="63F828"/>
-                </a:solidFill>
-              </a:rPr>
-              <a:t/>
             </a:r>
             <a:br>
               <a:rPr lang="en-IN" sz="2400" dirty="0">
@@ -18182,7 +17212,6 @@
               <a:rPr lang="en-IN" sz="4400" b="1" dirty="0"/>
               <a:t>Step 4 :</a:t>
             </a:r>
-            <a:endParaRPr lang="en-IN" sz="4400" b="1" dirty="0"/>
           </a:p>
         </p:txBody>
       </p:sp>
@@ -18250,14 +17279,6 @@
               </a:rPr>
               <a:t> </a:t>
             </a:r>
-            <a:r>
-              <a:rPr lang="en-IN" sz="2400" dirty="0">
-                <a:solidFill>
-                  <a:srgbClr val="63F828"/>
-                </a:solidFill>
-              </a:rPr>
-              <a:t/>
-            </a:r>
             <a:br>
               <a:rPr lang="en-IN" sz="2400" dirty="0">
                 <a:solidFill>
@@ -18397,13 +17418,6 @@
   <p:clrMapOvr>
     <a:masterClrMapping/>
   </p:clrMapOvr>
-  <p:timing>
-    <p:tnLst>
-      <p:par>
-        <p:cTn id="1" dur="indefinite" restart="never" nodeType="tmRoot"/>
-      </p:par>
-    </p:tnLst>
-  </p:timing>
 </p:sld>
 </file>
 
@@ -18450,7 +17464,6 @@
               <a:rPr lang="en-IN" sz="4400" b="1" dirty="0"/>
               <a:t>Step 5 :</a:t>
             </a:r>
-            <a:endParaRPr lang="en-IN" sz="4400" b="1" dirty="0"/>
           </a:p>
         </p:txBody>
       </p:sp>
@@ -18509,14 +17522,6 @@
               </a:rPr>
               <a:t>Phase 1 defused. How about the next one? </a:t>
             </a:r>
-            <a:r>
-              <a:rPr lang="en-IN" sz="2400" dirty="0">
-                <a:solidFill>
-                  <a:srgbClr val="63F828"/>
-                </a:solidFill>
-              </a:rPr>
-              <a:t/>
-            </a:r>
             <a:br>
               <a:rPr lang="en-IN" sz="2400" dirty="0">
                 <a:solidFill>
@@ -18542,13 +17547,6 @@
   <p:clrMapOvr>
     <a:masterClrMapping/>
   </p:clrMapOvr>
-  <p:timing>
-    <p:tnLst>
-      <p:par>
-        <p:cTn id="1" dur="indefinite" restart="never" nodeType="tmRoot"/>
-      </p:par>
-    </p:tnLst>
-  </p:timing>
 </p:sld>
 </file>
 
@@ -18595,7 +17593,6 @@
               <a:rPr lang="en-IN" sz="4400" b="1" dirty="0"/>
               <a:t>Questions ?</a:t>
             </a:r>
-            <a:endParaRPr lang="en-IN" sz="4400" b="1" dirty="0"/>
           </a:p>
         </p:txBody>
       </p:sp>
@@ -18609,13 +17606,6 @@
   <p:clrMapOvr>
     <a:masterClrMapping/>
   </p:clrMapOvr>
-  <p:timing>
-    <p:tnLst>
-      <p:par>
-        <p:cTn id="1" dur="indefinite" restart="never" nodeType="tmRoot"/>
-      </p:par>
-    </p:tnLst>
-  </p:timing>
 </p:sld>
 </file>
 
@@ -18653,14 +17643,10 @@
           <a:p>
             <a:r>
               <a:rPr lang="en-US" altLang="zh-CN" dirty="0"/>
-              <a:t>Bomb Lab </a:t>
-            </a:r>
-            <a:r>
-              <a:rPr lang="en-US" altLang="zh-CN" dirty="0" smtClean="0"/>
-              <a:t>Overview</a:t>
-            </a:r>
-            <a:r>
-              <a:rPr lang="en-US" altLang="zh-CN" sz="2800" dirty="0" smtClean="0"/>
+              <a:t>Bomb Lab Overview</a:t>
+            </a:r>
+            <a:r>
+              <a:rPr lang="en-US" altLang="zh-CN" sz="2800" dirty="0"/>
               <a:t>(material)</a:t>
             </a:r>
             <a:endParaRPr lang="en-US" sz="2800" dirty="0"/>
@@ -18687,15 +17673,7 @@
             </a:pPr>
             <a:r>
               <a:rPr lang="en-US" dirty="0"/>
-              <a:t>You </a:t>
-            </a:r>
-            <a:r>
-              <a:rPr lang="en-US" dirty="0" smtClean="0"/>
-              <a:t>will get</a:t>
-            </a:r>
-            <a:r>
-              <a:rPr lang="en-US" dirty="0"/>
-              <a:t>:</a:t>
+              <a:t>You will get:</a:t>
             </a:r>
           </a:p>
           <a:p>
@@ -18704,7 +17682,46 @@
             </a:pPr>
             <a:r>
               <a:rPr lang="en-US" altLang="zh-CN" dirty="0"/>
-              <a:t>• README: Identifies the bomb and its owners</a:t>
+              <a:t>• README: Identifies the bomb and its owners.</a:t>
+            </a:r>
+          </a:p>
+          <a:p>
+            <a:pPr marL="0" indent="0">
+              <a:buNone/>
+            </a:pPr>
+            <a:r>
+              <a:rPr lang="en-US" altLang="zh-CN" dirty="0"/>
+              <a:t>• bomb: The executable binary bomb.</a:t>
+            </a:r>
+          </a:p>
+          <a:p>
+            <a:pPr marL="0" indent="0">
+              <a:buNone/>
+            </a:pPr>
+            <a:r>
+              <a:rPr lang="en-US" altLang="zh-CN" dirty="0"/>
+              <a:t>• </a:t>
+            </a:r>
+            <a:r>
+              <a:rPr lang="en-US" altLang="zh-CN" dirty="0" err="1"/>
+              <a:t>bomb.c</a:t>
+            </a:r>
+            <a:r>
+              <a:rPr lang="en-US" altLang="zh-CN" dirty="0"/>
+              <a:t>: Source file with the bomb’s main routine.</a:t>
+            </a:r>
+          </a:p>
+          <a:p>
+            <a:pPr marL="0" indent="0">
+              <a:buNone/>
+            </a:pPr>
+            <a:r>
+              <a:rPr lang="en-US" altLang="zh-CN" dirty="0"/>
+              <a:t>• </a:t>
+            </a:r>
+            <a:r>
+              <a:rPr lang="en-US" altLang="zh-CN" dirty="0" err="1"/>
+              <a:t>writeup</a:t>
             </a:r>
             <a:r>
               <a:rPr lang="en-US" altLang="zh-CN" dirty="0"/>
@@ -18715,62 +17732,10 @@
             <a:pPr marL="0" indent="0">
               <a:buNone/>
             </a:pPr>
-            <a:r>
-              <a:rPr lang="en-US" altLang="zh-CN" dirty="0"/>
-              <a:t>• bomb: The executable binary bomb</a:t>
-            </a:r>
-            <a:r>
-              <a:rPr lang="en-US" altLang="zh-CN" dirty="0"/>
-              <a:t>.</a:t>
-            </a:r>
-          </a:p>
-          <a:p>
-            <a:pPr marL="0" indent="0">
-              <a:buNone/>
-            </a:pPr>
-            <a:r>
-              <a:rPr lang="en-US" altLang="zh-CN" dirty="0"/>
-              <a:t>• </a:t>
-            </a:r>
-            <a:r>
-              <a:rPr lang="en-US" altLang="zh-CN" dirty="0" err="1"/>
-              <a:t>bomb.c</a:t>
-            </a:r>
-            <a:r>
-              <a:rPr lang="en-US" altLang="zh-CN" dirty="0"/>
-              <a:t>: Source file with the bomb’s main </a:t>
-            </a:r>
-            <a:r>
-              <a:rPr lang="en-US" altLang="zh-CN" dirty="0" smtClean="0"/>
-              <a:t>routine.</a:t>
-            </a:r>
-          </a:p>
-          <a:p>
-            <a:pPr marL="0" indent="0">
-              <a:buNone/>
-            </a:pPr>
-            <a:r>
-              <a:rPr lang="en-US" altLang="zh-CN" dirty="0" smtClean="0"/>
-              <a:t>• </a:t>
-            </a:r>
-            <a:r>
-              <a:rPr lang="en-US" altLang="zh-CN" dirty="0" err="1" smtClean="0"/>
-              <a:t>writeup</a:t>
-            </a:r>
-            <a:r>
-              <a:rPr lang="en-US" altLang="zh-CN" dirty="0"/>
-              <a:t>.</a:t>
-            </a:r>
-            <a:endParaRPr lang="en-US" altLang="zh-CN" dirty="0" smtClean="0"/>
-          </a:p>
-          <a:p>
-            <a:pPr marL="0" indent="0">
-              <a:buNone/>
-            </a:pPr>
             <a:endParaRPr lang="en-US" altLang="zh-CN" dirty="0"/>
           </a:p>
           <a:p>
-            <a:endParaRPr lang="en-US" altLang="zh-CN" dirty="0" smtClean="0"/>
+            <a:endParaRPr lang="en-US" altLang="zh-CN" dirty="0"/>
           </a:p>
           <a:p>
             <a:pPr marL="0" indent="0">
@@ -18790,13 +17755,6 @@
   <p:clrMapOvr>
     <a:masterClrMapping/>
   </p:clrMapOvr>
-  <p:timing>
-    <p:tnLst>
-      <p:par>
-        <p:cTn id="1" dur="indefinite" restart="never" nodeType="tmRoot"/>
-      </p:par>
-    </p:tnLst>
-  </p:timing>
 </p:sld>
 </file>
 
@@ -18834,14 +17792,10 @@
           <a:p>
             <a:r>
               <a:rPr lang="en-US" altLang="zh-CN" dirty="0"/>
-              <a:t>Bomb Lab </a:t>
-            </a:r>
-            <a:r>
-              <a:rPr lang="en-US" altLang="zh-CN" dirty="0" smtClean="0"/>
-              <a:t>Overview</a:t>
-            </a:r>
-            <a:r>
-              <a:rPr lang="en-US" altLang="zh-CN" sz="2800" dirty="0" smtClean="0"/>
+              <a:t>Bomb Lab Overview</a:t>
+            </a:r>
+            <a:r>
+              <a:rPr lang="en-US" altLang="zh-CN" sz="2800" dirty="0"/>
               <a:t>(skill)</a:t>
             </a:r>
             <a:endParaRPr lang="zh-CN" altLang="en-US" sz="2800" dirty="0"/>
@@ -18867,12 +17821,8 @@
               <a:buNone/>
             </a:pPr>
             <a:r>
-              <a:rPr lang="en-US" altLang="zh-CN" dirty="0" smtClean="0"/>
-              <a:t>You can </a:t>
-            </a:r>
-            <a:r>
               <a:rPr lang="en-US" altLang="zh-CN" dirty="0"/>
-              <a:t>run it under a </a:t>
+              <a:t>You can run it under a </a:t>
             </a:r>
             <a:r>
               <a:rPr lang="en-US" altLang="zh-CN" u="sng" dirty="0"/>
@@ -18880,11 +17830,7 @@
             </a:r>
             <a:r>
               <a:rPr lang="en-US" altLang="zh-CN" dirty="0"/>
-              <a:t>, watch what it does step by step, and use this information to defuse it</a:t>
-            </a:r>
-            <a:r>
-              <a:rPr lang="en-US" altLang="zh-CN" dirty="0" smtClean="0"/>
-              <a:t>.</a:t>
+              <a:t>, watch what it does step by step, and use this information to defuse it.</a:t>
             </a:r>
           </a:p>
           <a:p>
@@ -18892,12 +17838,8 @@
               <a:buNone/>
             </a:pPr>
             <a:r>
-              <a:rPr lang="en-US" altLang="zh-CN" dirty="0" smtClean="0"/>
-              <a:t>To </a:t>
-            </a:r>
-            <a:r>
               <a:rPr lang="en-US" altLang="zh-CN" dirty="0"/>
-              <a:t>avoid accidentally detonating the bomb, you will need to learn how to </a:t>
+              <a:t>To avoid accidentally detonating the bomb, you will need to learn how to </a:t>
             </a:r>
             <a:r>
               <a:rPr lang="en-US" altLang="zh-CN" u="sng" dirty="0"/>
@@ -18905,15 +17847,7 @@
             </a:r>
             <a:r>
               <a:rPr lang="en-US" altLang="zh-CN" dirty="0"/>
-              <a:t> through the </a:t>
-            </a:r>
-            <a:r>
-              <a:rPr lang="en-US" altLang="zh-CN" dirty="0" smtClean="0"/>
-              <a:t>assembly code </a:t>
-            </a:r>
-            <a:r>
-              <a:rPr lang="en-US" altLang="zh-CN" dirty="0"/>
-              <a:t>and how to </a:t>
+              <a:t> through the assembly code and how to </a:t>
             </a:r>
             <a:r>
               <a:rPr lang="en-US" altLang="zh-CN" u="sng" dirty="0"/>
@@ -18925,41 +17859,20 @@
             </a:r>
             <a:r>
               <a:rPr lang="en-US" altLang="zh-CN" u="sng" dirty="0"/>
-              <a:t>inspect both the registers and </a:t>
-            </a:r>
-            <a:r>
-              <a:rPr lang="en-US" altLang="zh-CN" u="sng" dirty="0" smtClean="0"/>
-              <a:t>the memory </a:t>
-            </a:r>
-            <a:r>
-              <a:rPr lang="en-US" altLang="zh-CN" u="sng" dirty="0"/>
-              <a:t>states</a:t>
+              <a:t>inspect both the registers and the memory states</a:t>
             </a:r>
             <a:r>
               <a:rPr lang="en-US" altLang="zh-CN" dirty="0"/>
               <a:t>. </a:t>
             </a:r>
-            <a:endParaRPr lang="en-US" altLang="zh-CN" dirty="0" smtClean="0"/>
           </a:p>
           <a:p>
             <a:pPr marL="0" indent="0">
               <a:buNone/>
             </a:pPr>
             <a:r>
-              <a:rPr lang="en-US" altLang="zh-CN" dirty="0" smtClean="0"/>
-              <a:t>One </a:t>
-            </a:r>
-            <a:r>
               <a:rPr lang="en-US" altLang="zh-CN" dirty="0"/>
-              <a:t>of the nice side-effects of doing the lab is that you will get very good at using </a:t>
-            </a:r>
-            <a:r>
-              <a:rPr lang="en-US" altLang="zh-CN" dirty="0" smtClean="0"/>
-              <a:t>a debugger</a:t>
-            </a:r>
-            <a:r>
-              <a:rPr lang="en-US" altLang="zh-CN" dirty="0"/>
-              <a:t>. This is a crucial skill that will pay big dividends the rest of your career.</a:t>
+              <a:t>One of the nice side-effects of doing the lab is that you will get very good at using a debugger. This is a crucial skill that will pay big dividends the rest of your career.</a:t>
             </a:r>
             <a:endParaRPr lang="zh-CN" altLang="en-US" dirty="0"/>
           </a:p>
@@ -18975,13 +17888,6 @@
   <p:clrMapOvr>
     <a:masterClrMapping/>
   </p:clrMapOvr>
-  <p:timing>
-    <p:tnLst>
-      <p:par>
-        <p:cTn id="1" dur="indefinite" restart="never" nodeType="tmRoot"/>
-      </p:par>
-    </p:tnLst>
-  </p:timing>
 </p:sld>
 </file>
 
@@ -19048,18 +17954,10 @@
                 <a:ea typeface="+mj-ea"/>
                 <a:cs typeface="+mj-cs"/>
               </a:rPr>
-              <a:t>Bomb Lab </a:t>
-            </a:r>
-            <a:r>
-              <a:rPr lang="en-US" altLang="zh-CN" sz="4400" dirty="0" smtClean="0">
-                <a:latin typeface="+mj-lt"/>
-                <a:ea typeface="+mj-ea"/>
-                <a:cs typeface="+mj-cs"/>
-              </a:rPr>
-              <a:t>Overview</a:t>
-            </a:r>
-            <a:r>
-              <a:rPr lang="en-US" altLang="zh-CN" sz="2800" dirty="0" smtClean="0">
+              <a:t>Bomb Lab Overview</a:t>
+            </a:r>
+            <a:r>
+              <a:rPr lang="en-US" altLang="zh-CN" sz="2800" dirty="0">
                 <a:latin typeface="+mj-lt"/>
                 <a:ea typeface="+mj-ea"/>
                 <a:cs typeface="+mj-cs"/>
@@ -19162,15 +18060,7 @@
                 <a:ea typeface="+mj-ea"/>
                 <a:cs typeface="+mj-cs"/>
               </a:rPr>
-              <a:t> </a:t>
-            </a:r>
-            <a:r>
-              <a:rPr lang="en-US" sz="2800" dirty="0">
-                <a:latin typeface="+mj-lt"/>
-                <a:ea typeface="+mj-ea"/>
-                <a:cs typeface="+mj-cs"/>
-              </a:rPr>
-              <a:t>-d bomb disassembles all bomb code</a:t>
+              <a:t> -d bomb disassembles all bomb code</a:t>
             </a:r>
             <a:endParaRPr sz="2800" dirty="0">
               <a:latin typeface="+mj-lt"/>
@@ -19316,15 +18206,7 @@
                 <a:ea typeface="+mj-ea"/>
                 <a:cs typeface="+mj-cs"/>
               </a:rPr>
-              <a:t>contents </a:t>
-            </a:r>
-            <a:r>
-              <a:rPr lang="en-US" sz="2800" dirty="0">
-                <a:latin typeface="+mj-lt"/>
-                <a:ea typeface="+mj-ea"/>
-                <a:cs typeface="+mj-cs"/>
-              </a:rPr>
-              <a:t>of program memory</a:t>
+              <a:t>contents of program memory</a:t>
             </a:r>
             <a:endParaRPr sz="2800" dirty="0">
               <a:latin typeface="+mj-lt"/>
@@ -19460,18 +18342,10 @@
                 <a:ea typeface="+mj-ea"/>
                 <a:cs typeface="+mj-cs"/>
               </a:rPr>
-              <a:t>Bomb Lab </a:t>
-            </a:r>
-            <a:r>
-              <a:rPr lang="en-US" altLang="zh-CN" sz="4400" dirty="0" smtClean="0">
-                <a:latin typeface="+mj-lt"/>
-                <a:ea typeface="+mj-ea"/>
-                <a:cs typeface="+mj-cs"/>
-              </a:rPr>
-              <a:t>Overview</a:t>
-            </a:r>
-            <a:r>
-              <a:rPr lang="en-US" altLang="zh-CN" sz="2800" dirty="0" smtClean="0">
+              <a:t>Bomb Lab Overview</a:t>
+            </a:r>
+            <a:r>
+              <a:rPr lang="en-US" altLang="zh-CN" sz="2800" dirty="0">
                 <a:latin typeface="+mj-lt"/>
                 <a:ea typeface="+mj-ea"/>
                 <a:cs typeface="+mj-cs"/>
@@ -19604,13 +18478,6 @@
   <p:clrMapOvr>
     <a:masterClrMapping/>
   </p:clrMapOvr>
-  <p:timing>
-    <p:tnLst>
-      <p:par>
-        <p:cTn id="1" dur="indefinite" restart="never" nodeType="tmRoot"/>
-      </p:par>
-    </p:tnLst>
-  </p:timing>
 </p:sld>
 </file>
 
@@ -19657,16 +18524,8 @@
               <a:buNone/>
             </a:pPr>
             <a:r>
-              <a:rPr lang="en-US" altLang="zh-CN" sz="4400" dirty="0" smtClean="0"/>
-              <a:t>1  Bomb </a:t>
-            </a:r>
-            <a:r>
               <a:rPr lang="en-US" altLang="zh-CN" sz="4400" dirty="0"/>
-              <a:t>Lab </a:t>
-            </a:r>
-            <a:r>
-              <a:rPr lang="en-US" altLang="zh-CN" sz="4400" dirty="0"/>
-              <a:t>Overview</a:t>
+              <a:t>1  Bomb Lab Overview</a:t>
             </a:r>
           </a:p>
           <a:p>
@@ -19679,23 +18538,7 @@
                   <a:srgbClr val="FFC000"/>
                 </a:solidFill>
               </a:rPr>
-              <a:t>2 </a:t>
-            </a:r>
-            <a:r>
-              <a:rPr lang="en-US" altLang="zh-CN" sz="4400" dirty="0" smtClean="0">
-                <a:solidFill>
-                  <a:srgbClr val="FFC000"/>
-                </a:solidFill>
-              </a:rPr>
-              <a:t> Assembly </a:t>
-            </a:r>
-            <a:r>
-              <a:rPr lang="en-US" altLang="zh-CN" sz="4400" dirty="0">
-                <a:solidFill>
-                  <a:srgbClr val="FFC000"/>
-                </a:solidFill>
-              </a:rPr>
-              <a:t>Refresher</a:t>
+              <a:t>2  Assembly Refresher</a:t>
             </a:r>
           </a:p>
           <a:p>
@@ -19704,19 +18547,7 @@
             </a:pPr>
             <a:r>
               <a:rPr lang="en-US" altLang="zh-CN" sz="4400" dirty="0"/>
-              <a:t>3 </a:t>
-            </a:r>
-            <a:r>
-              <a:rPr lang="en-US" altLang="zh-CN" sz="4400" dirty="0" smtClean="0"/>
-              <a:t> Introduction </a:t>
-            </a:r>
-            <a:r>
-              <a:rPr lang="en-US" altLang="zh-CN" sz="4400" dirty="0"/>
-              <a:t>to </a:t>
-            </a:r>
-            <a:r>
-              <a:rPr lang="en-US" altLang="zh-CN" sz="4400" dirty="0"/>
-              <a:t>GDB</a:t>
+              <a:t>3  Introduction to GDB</a:t>
             </a:r>
           </a:p>
           <a:p>
@@ -19725,15 +18556,7 @@
             </a:pPr>
             <a:r>
               <a:rPr lang="en-US" altLang="zh-CN" sz="4400" dirty="0"/>
-              <a:t>4 </a:t>
-            </a:r>
-            <a:r>
-              <a:rPr lang="en-US" altLang="zh-CN" sz="4400" dirty="0" smtClean="0"/>
-              <a:t> Unix </a:t>
-            </a:r>
-            <a:r>
-              <a:rPr lang="en-US" altLang="zh-CN" sz="4400" dirty="0"/>
-              <a:t>Refresher</a:t>
+              <a:t>4  Unix Refresher</a:t>
             </a:r>
           </a:p>
           <a:p>
@@ -19742,15 +18565,7 @@
             </a:pPr>
             <a:r>
               <a:rPr lang="en-US" altLang="zh-CN" sz="4400" dirty="0"/>
-              <a:t>5 </a:t>
-            </a:r>
-            <a:r>
-              <a:rPr lang="en-US" altLang="zh-CN" sz="4400" dirty="0" smtClean="0"/>
-              <a:t> Bomb </a:t>
-            </a:r>
-            <a:r>
-              <a:rPr lang="en-US" altLang="zh-CN" sz="4400" dirty="0"/>
-              <a:t>Lab Demo</a:t>
+              <a:t>5  Bomb Lab Demo</a:t>
             </a:r>
           </a:p>
           <a:p>
@@ -19777,13 +18592,6 @@
   <p:clrMapOvr>
     <a:masterClrMapping/>
   </p:clrMapOvr>
-  <p:timing>
-    <p:tnLst>
-      <p:par>
-        <p:cTn id="1" dur="indefinite" restart="never" nodeType="tmRoot"/>
-      </p:par>
-    </p:tnLst>
-  </p:timing>
 </p:sld>
 </file>
 
@@ -19846,45 +18654,21 @@
             </a:pPr>
             <a:r>
               <a:rPr lang="en-US" altLang="zh-CN" sz="4400" dirty="0"/>
-              <a:t>Assembly </a:t>
-            </a:r>
-            <a:r>
-              <a:rPr lang="en-US" altLang="zh-CN" sz="4400" dirty="0"/>
-              <a:t>Refresher</a:t>
-            </a:r>
-            <a:r>
-              <a:rPr lang="en-US" altLang="zh-CN" sz="2800" dirty="0" smtClean="0"/>
+              <a:t>Assembly Refresher</a:t>
+            </a:r>
+            <a:r>
+              <a:rPr lang="en-US" altLang="zh-CN" sz="2800" dirty="0"/>
               <a:t>(</a:t>
             </a:r>
             <a:r>
-              <a:rPr lang="en-US" sz="2800" dirty="0" smtClean="0">
+              <a:rPr lang="en-US" sz="2800" dirty="0">
                 <a:solidFill>
                   <a:srgbClr val="000000"/>
                 </a:solidFill>
                 <a:latin typeface="Arial"/>
                 <a:ea typeface="Arial"/>
               </a:rPr>
-              <a:t>x64 </a:t>
-            </a:r>
-            <a:r>
-              <a:rPr lang="en-US" sz="2800" dirty="0">
-                <a:solidFill>
-                  <a:srgbClr val="000000"/>
-                </a:solidFill>
-                <a:latin typeface="Arial"/>
-                <a:ea typeface="Arial"/>
-              </a:rPr>
-              <a:t>Assembly: </a:t>
-            </a:r>
-            <a:r>
-              <a:rPr lang="en-US" sz="2800" dirty="0" smtClean="0">
-                <a:solidFill>
-                  <a:srgbClr val="000000"/>
-                </a:solidFill>
-                <a:latin typeface="Arial"/>
-                <a:ea typeface="Arial"/>
-              </a:rPr>
-              <a:t>Registers)</a:t>
+              <a:t>x64 Assembly: Registers)</a:t>
             </a:r>
             <a:endParaRPr sz="2800" dirty="0"/>
           </a:p>
